--- a/日报/日报PPT底稿.pptx
+++ b/日报/日报PPT底稿.pptx
@@ -236,10 +236,10 @@
           </c:marker>
           <c:cat>
             <c:numRef>
-              <c:f>隔夜拆借率!$A$3:$A$433</c:f>
+              <c:f>隔夜拆借率!$A$3:$A$434</c:f>
               <c:numCache>
                 <c:formatCode>yyyy\-mm\-dd;@</c:formatCode>
-                <c:ptCount val="431"/>
+                <c:ptCount val="432"/>
                 <c:pt idx="0">
                   <c:v>42373</c:v>
                 </c:pt>
@@ -1532,16 +1532,19 @@
                 </c:pt>
                 <c:pt idx="430">
                   <c:v>42998</c:v>
+                </c:pt>
+                <c:pt idx="431">
+                  <c:v>42999</c:v>
                 </c:pt>
               </c:numCache>
             </c:numRef>
           </c:cat>
           <c:val>
             <c:numRef>
-              <c:f>隔夜拆借率!$B$3:$B$433</c:f>
+              <c:f>隔夜拆借率!$B$3:$B$434</c:f>
               <c:numCache>
                 <c:formatCode>0.00%</c:formatCode>
-                <c:ptCount val="431"/>
+                <c:ptCount val="432"/>
                 <c:pt idx="0">
                   <c:v>1.9950000000000002E-2</c:v>
                 </c:pt>
@@ -2834,6 +2837,9 @@
                 </c:pt>
                 <c:pt idx="430">
                   <c:v>2.7900000000000001E-2</c:v>
+                </c:pt>
+                <c:pt idx="431">
+                  <c:v>2.8056999999999999E-2</c:v>
                 </c:pt>
               </c:numCache>
             </c:numRef>
@@ -2841,7 +2847,7 @@
           <c:smooth val="0"/>
           <c:extLst>
             <c:ext xmlns:c16="http://schemas.microsoft.com/office/drawing/2014/chart" uri="{C3380CC4-5D6E-409C-BE32-E72D297353CC}">
-              <c16:uniqueId val="{00000000-6314-4C8D-8379-4A4BB55FC0F8}"/>
+              <c16:uniqueId val="{00000000-2183-4EDE-93AE-91D3A527E940}"/>
             </c:ext>
           </c:extLst>
         </c:ser>
@@ -2864,10 +2870,10 @@
           </c:marker>
           <c:cat>
             <c:numRef>
-              <c:f>隔夜拆借率!$A$3:$A$433</c:f>
+              <c:f>隔夜拆借率!$A$3:$A$434</c:f>
               <c:numCache>
                 <c:formatCode>yyyy\-mm\-dd;@</c:formatCode>
-                <c:ptCount val="431"/>
+                <c:ptCount val="432"/>
                 <c:pt idx="0">
                   <c:v>42373</c:v>
                 </c:pt>
@@ -4160,16 +4166,19 @@
                 </c:pt>
                 <c:pt idx="430">
                   <c:v>42998</c:v>
+                </c:pt>
+                <c:pt idx="431">
+                  <c:v>42999</c:v>
                 </c:pt>
               </c:numCache>
             </c:numRef>
           </c:cat>
           <c:val>
             <c:numRef>
-              <c:f>隔夜拆借率!$C$3:$C$433</c:f>
+              <c:f>隔夜拆借率!$C$3:$C$434</c:f>
               <c:numCache>
                 <c:formatCode>0.00%</c:formatCode>
-                <c:ptCount val="431"/>
+                <c:ptCount val="432"/>
                 <c:pt idx="0">
                   <c:v>2.3349999999999999E-2</c:v>
                 </c:pt>
@@ -5461,6 +5470,9 @@
                   <c:v>2.8679999999999997E-2</c:v>
                 </c:pt>
                 <c:pt idx="430">
+                  <c:v>2.8690000000000004E-2</c:v>
+                </c:pt>
+                <c:pt idx="431">
                   <c:v>2.8690000000000004E-2</c:v>
                 </c:pt>
               </c:numCache>
@@ -5469,7 +5481,7 @@
           <c:smooth val="0"/>
           <c:extLst>
             <c:ext xmlns:c16="http://schemas.microsoft.com/office/drawing/2014/chart" uri="{C3380CC4-5D6E-409C-BE32-E72D297353CC}">
-              <c16:uniqueId val="{00000001-6314-4C8D-8379-4A4BB55FC0F8}"/>
+              <c16:uniqueId val="{00000001-2183-4EDE-93AE-91D3A527E940}"/>
             </c:ext>
           </c:extLst>
         </c:ser>
@@ -5736,10 +5748,10 @@
           </c:marker>
           <c:cat>
             <c:numRef>
-              <c:f>同业存单!$A$2:$A$432</c:f>
+              <c:f>同业存单!$A$2:$A$433</c:f>
               <c:numCache>
                 <c:formatCode>yyyy\-mm\-dd;@</c:formatCode>
-                <c:ptCount val="431"/>
+                <c:ptCount val="432"/>
                 <c:pt idx="0">
                   <c:v>42374</c:v>
                 </c:pt>
@@ -7032,16 +7044,19 @@
                 </c:pt>
                 <c:pt idx="430">
                   <c:v>42999</c:v>
+                </c:pt>
+                <c:pt idx="431">
+                  <c:v>43000</c:v>
                 </c:pt>
               </c:numCache>
             </c:numRef>
           </c:cat>
           <c:val>
             <c:numRef>
-              <c:f>同业存单!$B$2:$B$432</c:f>
+              <c:f>同业存单!$B$2:$B$433</c:f>
               <c:numCache>
                 <c:formatCode>0.00%</c:formatCode>
-                <c:ptCount val="431"/>
+                <c:ptCount val="432"/>
                 <c:pt idx="0">
                   <c:v>2.7999999999999997E-2</c:v>
                 </c:pt>
@@ -8333,7 +8348,10 @@
                   <c:v>4.5334000000000006E-2</c:v>
                 </c:pt>
                 <c:pt idx="430">
-                  <c:v>4.5624000000000005E-2</c:v>
+                  <c:v>4.5505000000000004E-2</c:v>
+                </c:pt>
+                <c:pt idx="431">
+                  <c:v>4.6430999999999993E-2</c:v>
                 </c:pt>
               </c:numCache>
             </c:numRef>
@@ -8341,7 +8359,7 @@
           <c:smooth val="0"/>
           <c:extLst>
             <c:ext xmlns:c16="http://schemas.microsoft.com/office/drawing/2014/chart" uri="{C3380CC4-5D6E-409C-BE32-E72D297353CC}">
-              <c16:uniqueId val="{00000000-46B4-4E4B-98D9-2E04F1E39D09}"/>
+              <c16:uniqueId val="{00000000-D9AA-43AA-A5B1-3FB498431661}"/>
             </c:ext>
           </c:extLst>
         </c:ser>
@@ -8364,10 +8382,10 @@
           </c:marker>
           <c:cat>
             <c:numRef>
-              <c:f>同业存单!$A$2:$A$432</c:f>
+              <c:f>同业存单!$A$2:$A$433</c:f>
               <c:numCache>
                 <c:formatCode>yyyy\-mm\-dd;@</c:formatCode>
-                <c:ptCount val="431"/>
+                <c:ptCount val="432"/>
                 <c:pt idx="0">
                   <c:v>42374</c:v>
                 </c:pt>
@@ -9660,16 +9678,19 @@
                 </c:pt>
                 <c:pt idx="430">
                   <c:v>42999</c:v>
+                </c:pt>
+                <c:pt idx="431">
+                  <c:v>43000</c:v>
                 </c:pt>
               </c:numCache>
             </c:numRef>
           </c:cat>
           <c:val>
             <c:numRef>
-              <c:f>同业存单!$C$2:$C$432</c:f>
+              <c:f>同业存单!$C$2:$C$433</c:f>
               <c:numCache>
                 <c:formatCode>0.00%</c:formatCode>
-                <c:ptCount val="431"/>
+                <c:ptCount val="432"/>
                 <c:pt idx="0">
                   <c:v>3.1114000000000003E-2</c:v>
                 </c:pt>
@@ -10961,7 +10982,10 @@
                   <c:v>4.5105000000000006E-2</c:v>
                 </c:pt>
                 <c:pt idx="430">
-                  <c:v>4.5082000000000004E-2</c:v>
+                  <c:v>4.4736999999999999E-2</c:v>
+                </c:pt>
+                <c:pt idx="431">
+                  <c:v>4.4617000000000004E-2</c:v>
                 </c:pt>
               </c:numCache>
             </c:numRef>
@@ -10969,7 +10993,7 @@
           <c:smooth val="0"/>
           <c:extLst>
             <c:ext xmlns:c16="http://schemas.microsoft.com/office/drawing/2014/chart" uri="{C3380CC4-5D6E-409C-BE32-E72D297353CC}">
-              <c16:uniqueId val="{00000001-46B4-4E4B-98D9-2E04F1E39D09}"/>
+              <c16:uniqueId val="{00000001-D9AA-43AA-A5B1-3FB498431661}"/>
             </c:ext>
           </c:extLst>
         </c:ser>
@@ -16790,7 +16814,7 @@
             <a:fld id="{ED62FF87-B599-48C5-BB22-B0B305D7BDE7}" type="datetimeFigureOut">
               <a:rPr lang="zh-CN" altLang="en-US" smtClean="0"/>
               <a:pPr/>
-              <a:t>2017/9/20</a:t>
+              <a:t>2017/9/21</a:t>
             </a:fld>
             <a:endParaRPr lang="zh-CN" altLang="en-US"/>
           </a:p>
@@ -16957,7 +16981,7 @@
             <a:fld id="{6CEF6153-3878-444A-B180-CA5666EAB5DB}" type="datetimeFigureOut">
               <a:rPr lang="zh-CN" altLang="en-US" smtClean="0"/>
               <a:pPr/>
-              <a:t>2017/9/20</a:t>
+              <a:t>2017/9/21</a:t>
             </a:fld>
             <a:endParaRPr lang="zh-CN" altLang="en-US"/>
           </a:p>
@@ -17418,7 +17442,7 @@
             <a:fld id="{216C5678-EE20-4FA5-88E2-6E0BD67A2E26}" type="datetime1">
               <a:rPr lang="en-US" smtClean="0"/>
               <a:pPr/>
-              <a:t>9/20/2017</a:t>
+              <a:t>9/21/2017</a:t>
             </a:fld>
             <a:endParaRPr lang="en-US" dirty="0"/>
           </a:p>
@@ -17589,7 +17613,7 @@
             <a:fld id="{EA051B39-B140-43FE-96DB-472A2B59CE7C}" type="datetime1">
               <a:rPr lang="en-US" smtClean="0"/>
               <a:pPr/>
-              <a:t>9/20/2017</a:t>
+              <a:t>9/21/2017</a:t>
             </a:fld>
             <a:endParaRPr lang="en-US"/>
           </a:p>
@@ -17770,7 +17794,7 @@
             <a:fld id="{DA600BB2-27C5-458B-ABCE-839C88CF47CE}" type="datetime1">
               <a:rPr lang="en-US" smtClean="0"/>
               <a:pPr/>
-              <a:t>9/20/2017</a:t>
+              <a:t>9/21/2017</a:t>
             </a:fld>
             <a:endParaRPr lang="en-US"/>
           </a:p>
@@ -17864,7 +17888,7 @@
           <a:graphicData uri="http://schemas.openxmlformats.org/presentationml/2006/ole">
             <mc:AlternateContent xmlns:mc="http://schemas.openxmlformats.org/markup-compatibility/2006">
               <mc:Choice xmlns:v="urn:schemas-microsoft-com:vml" Requires="v">
-                <p:oleObj spid="_x0000_s2492" name="Image" r:id="rId3" imgW="5663492" imgH="3326984" progId="">
+                <p:oleObj spid="_x0000_s2494" name="Image" r:id="rId3" imgW="5663492" imgH="3326984" progId="">
                   <p:embed/>
                 </p:oleObj>
               </mc:Choice>
@@ -18181,7 +18205,7 @@
           <a:graphicData uri="http://schemas.openxmlformats.org/presentationml/2006/ole">
             <mc:AlternateContent xmlns:mc="http://schemas.openxmlformats.org/markup-compatibility/2006">
               <mc:Choice xmlns:v="urn:schemas-microsoft-com:vml" Requires="v">
-                <p:oleObj spid="_x0000_s3516" name="Image" r:id="rId3" imgW="5663492" imgH="3326984" progId="">
+                <p:oleObj spid="_x0000_s3518" name="Image" r:id="rId3" imgW="5663492" imgH="3326984" progId="">
                   <p:embed/>
                 </p:oleObj>
               </mc:Choice>
@@ -18750,7 +18774,7 @@
           <a:graphicData uri="http://schemas.openxmlformats.org/presentationml/2006/ole">
             <mc:AlternateContent xmlns:mc="http://schemas.openxmlformats.org/markup-compatibility/2006">
               <mc:Choice xmlns:v="urn:schemas-microsoft-com:vml" Requires="v">
-                <p:oleObj spid="_x0000_s4540" name="Image" r:id="rId3" imgW="5663492" imgH="3326984" progId="">
+                <p:oleObj spid="_x0000_s4542" name="Image" r:id="rId3" imgW="5663492" imgH="3326984" progId="">
                   <p:embed/>
                 </p:oleObj>
               </mc:Choice>
@@ -19862,7 +19886,7 @@
             <a:fld id="{B11D738E-8962-435F-8C43-147B8DD7E819}" type="datetime1">
               <a:rPr lang="en-US" smtClean="0"/>
               <a:pPr/>
-              <a:t>9/20/2017</a:t>
+              <a:t>9/21/2017</a:t>
             </a:fld>
             <a:endParaRPr lang="en-US"/>
           </a:p>
@@ -21295,7 +21319,7 @@
             <a:fld id="{09CAEA93-55E7-4DA9-90C2-089A26EEFEC4}" type="datetime1">
               <a:rPr lang="en-US" smtClean="0"/>
               <a:pPr/>
-              <a:t>9/20/2017</a:t>
+              <a:t>9/21/2017</a:t>
             </a:fld>
             <a:endParaRPr lang="en-US"/>
           </a:p>
@@ -21649,7 +21673,7 @@
             <a:fld id="{E34CF3C7-6809-4F39-BD67-A75817BDDE0A}" type="datetime1">
               <a:rPr lang="en-US" smtClean="0"/>
               <a:pPr/>
-              <a:t>9/20/2017</a:t>
+              <a:t>9/21/2017</a:t>
             </a:fld>
             <a:endParaRPr lang="en-US"/>
           </a:p>
@@ -21963,7 +21987,7 @@
             <a:fld id="{F7EAEB24-CE78-465C-A726-91D0868FA48F}" type="datetime1">
               <a:rPr lang="en-US" smtClean="0"/>
               <a:pPr/>
-              <a:t>9/20/2017</a:t>
+              <a:t>9/21/2017</a:t>
             </a:fld>
             <a:endParaRPr lang="en-US"/>
           </a:p>
@@ -22196,7 +22220,7 @@
             <a:fld id="{40BAADF0-1749-4E8B-9691-B44A5F8C0895}" type="datetime1">
               <a:rPr lang="en-US" smtClean="0"/>
               <a:pPr/>
-              <a:t>9/20/2017</a:t>
+              <a:t>9/21/2017</a:t>
             </a:fld>
             <a:endParaRPr lang="en-US"/>
           </a:p>
@@ -22292,7 +22316,7 @@
             <a:fld id="{A8AF628A-A867-4937-BBE5-207DB6F9C51A}" type="datetime1">
               <a:rPr lang="en-US" smtClean="0"/>
               <a:pPr/>
-              <a:t>9/20/2017</a:t>
+              <a:t>9/21/2017</a:t>
             </a:fld>
             <a:endParaRPr lang="en-US"/>
           </a:p>
@@ -22586,7 +22610,7 @@
             <a:fld id="{118BBB94-68E6-4675-A946-F1C5994EDBD7}" type="datetime1">
               <a:rPr lang="en-US" smtClean="0"/>
               <a:pPr/>
-              <a:t>9/20/2017</a:t>
+              <a:t>9/21/2017</a:t>
             </a:fld>
             <a:endParaRPr lang="en-US"/>
           </a:p>
@@ -22861,7 +22885,7 @@
             <a:fld id="{DC3B8377-21E3-4835-B75D-4E2847E2750F}" type="datetime1">
               <a:rPr lang="en-US" smtClean="0"/>
               <a:pPr/>
-              <a:t>9/20/2017</a:t>
+              <a:t>9/21/2017</a:t>
             </a:fld>
             <a:endParaRPr lang="en-US"/>
           </a:p>
@@ -23113,7 +23137,7 @@
             <a:fld id="{B0C4986D-6BE9-4264-908F-02DB36FD8D6C}" type="datetime1">
               <a:rPr lang="en-US" smtClean="0"/>
               <a:pPr/>
-              <a:t>9/20/2017</a:t>
+              <a:t>9/21/2017</a:t>
             </a:fld>
             <a:endParaRPr lang="en-US" dirty="0"/>
           </a:p>
@@ -23694,7 +23718,7 @@
           <a:graphicData uri="http://schemas.openxmlformats.org/presentationml/2006/ole">
             <mc:AlternateContent xmlns:mc="http://schemas.openxmlformats.org/markup-compatibility/2006">
               <mc:Choice xmlns:v="urn:schemas-microsoft-com:vml" Requires="v">
-                <p:oleObj spid="_x0000_s1468" name="Image" r:id="rId18" imgW="5663492" imgH="3326984" progId="">
+                <p:oleObj spid="_x0000_s1470" name="Image" r:id="rId18" imgW="5663492" imgH="3326984" progId="">
                   <p:embed/>
                 </p:oleObj>
               </mc:Choice>
@@ -24662,7 +24686,7 @@
       </p:sp>
       <p:graphicFrame>
         <p:nvGraphicFramePr>
-          <p:cNvPr id="6" name="图表 5">
+          <p:cNvPr id="7" name="图表 6">
             <a:extLst>
               <a:ext uri="{FF2B5EF4-FFF2-40B4-BE49-F238E27FC236}">
                 <a16:creationId xmlns:a16="http://schemas.microsoft.com/office/drawing/2014/main" id="{00000000-0008-0000-0100-000003000000}"/>
@@ -24675,13 +24699,13 @@
           <p:nvPr>
             <p:extLst>
               <p:ext uri="{D42A27DB-BD31-4B8C-83A1-F6EECF244321}">
-                <p14:modId xmlns:p14="http://schemas.microsoft.com/office/powerpoint/2010/main" val="2076658014"/>
+                <p14:modId xmlns:p14="http://schemas.microsoft.com/office/powerpoint/2010/main" val="2585216467"/>
               </p:ext>
             </p:extLst>
           </p:nvPr>
         </p:nvGraphicFramePr>
         <p:xfrm>
-          <a:off x="159458" y="707703"/>
+          <a:off x="96541" y="626954"/>
           <a:ext cx="8648701" cy="2943225"/>
         </p:xfrm>
         <a:graphic>
@@ -24722,7 +24746,7 @@
       </p:grpSpPr>
       <p:graphicFrame>
         <p:nvGraphicFramePr>
-          <p:cNvPr id="4" name="图表 3">
+          <p:cNvPr id="3" name="图表 2">
             <a:extLst>
               <a:ext uri="{FF2B5EF4-FFF2-40B4-BE49-F238E27FC236}">
                 <a16:creationId xmlns:a16="http://schemas.microsoft.com/office/drawing/2014/main" id="{00000000-0008-0000-0300-000004000000}"/>
@@ -24732,10 +24756,16 @@
           <p:cNvGraphicFramePr>
             <a:graphicFrameLocks/>
           </p:cNvGraphicFramePr>
-          <p:nvPr/>
+          <p:nvPr>
+            <p:extLst>
+              <p:ext uri="{D42A27DB-BD31-4B8C-83A1-F6EECF244321}">
+                <p14:modId xmlns:p14="http://schemas.microsoft.com/office/powerpoint/2010/main" val="2365866981"/>
+              </p:ext>
+            </p:extLst>
+          </p:nvPr>
         </p:nvGraphicFramePr>
         <p:xfrm>
-          <a:off x="307181" y="123824"/>
+          <a:off x="190943" y="123824"/>
           <a:ext cx="8529638" cy="3352801"/>
         </p:xfrm>
         <a:graphic>
@@ -25179,7 +25209,7 @@
                 <a:latin typeface="Arial" pitchFamily="34" charset="0"/>
                 <a:ea typeface="楷体_GB2312" pitchFamily="49" charset="-122"/>
               </a:rPr>
-              <a:t>下跌</a:t>
+              <a:t>上涨</a:t>
             </a:r>
             <a:r>
               <a:rPr lang="en-US" altLang="zh-CN" sz="1800" dirty="0">
@@ -25189,7 +25219,7 @@
                 <a:latin typeface="Arial" pitchFamily="34" charset="0"/>
                 <a:ea typeface="楷体_GB2312" pitchFamily="49" charset="-122"/>
               </a:rPr>
-              <a:t>0.08%</a:t>
+              <a:t>0.63%</a:t>
             </a:r>
             <a:r>
               <a:rPr lang="zh-CN" altLang="zh-CN" sz="1800" dirty="0">
@@ -25239,7 +25269,7 @@
                 <a:latin typeface="Arial" pitchFamily="34" charset="0"/>
                 <a:ea typeface="楷体_GB2312" pitchFamily="49" charset="-122"/>
               </a:rPr>
-              <a:t>25</a:t>
+              <a:t>1</a:t>
             </a:r>
             <a:r>
               <a:rPr lang="zh-CN" altLang="en-US" sz="1800" dirty="0">
@@ -25279,7 +25309,7 @@
                 <a:latin typeface="Arial" pitchFamily="34" charset="0"/>
                 <a:ea typeface="楷体_GB2312" pitchFamily="49" charset="-122"/>
               </a:rPr>
-              <a:t>指数上涨</a:t>
+              <a:t>指数下跌</a:t>
             </a:r>
             <a:r>
               <a:rPr lang="en-US" altLang="zh-CN" sz="1800" dirty="0">
@@ -25289,7 +25319,7 @@
                 <a:latin typeface="Arial" pitchFamily="34" charset="0"/>
                 <a:ea typeface="楷体_GB2312" pitchFamily="49" charset="-122"/>
               </a:rPr>
-              <a:t>0.27%</a:t>
+              <a:t>0.12%</a:t>
             </a:r>
             <a:r>
               <a:rPr lang="zh-CN" altLang="zh-CN" sz="1800" dirty="0">
@@ -25309,7 +25339,7 @@
                 <a:latin typeface="Arial" pitchFamily="34" charset="0"/>
                 <a:ea typeface="楷体_GB2312" pitchFamily="49" charset="-122"/>
               </a:rPr>
-              <a:t>跑输</a:t>
+              <a:t>跑赢</a:t>
             </a:r>
             <a:r>
               <a:rPr lang="zh-CN" altLang="zh-CN" sz="1800" dirty="0">
@@ -25349,7 +25379,7 @@
                 <a:latin typeface="Arial" pitchFamily="34" charset="0"/>
                 <a:ea typeface="楷体_GB2312" pitchFamily="49" charset="-122"/>
               </a:rPr>
-              <a:t>0.35</a:t>
+              <a:t>0.75</a:t>
             </a:r>
             <a:r>
               <a:rPr lang="zh-CN" altLang="en-US" sz="1800" dirty="0">
@@ -25778,7 +25808,7 @@
               <a:buAutoNum type="arabicPeriod"/>
             </a:pPr>
             <a:r>
-              <a:rPr lang="zh-CN" altLang="en-US" sz="1800" dirty="0">
+              <a:rPr lang="zh-CN" altLang="en-US" sz="1600" dirty="0">
                 <a:solidFill>
                   <a:schemeClr val="tx1"/>
                 </a:solidFill>
@@ -25788,7 +25818,47 @@
               <a:t>央行今日进行</a:t>
             </a:r>
             <a:r>
-              <a:rPr lang="en-US" altLang="zh-CN" sz="1800" dirty="0">
+              <a:rPr lang="en-US" altLang="zh-CN" sz="1600" dirty="0">
+                <a:solidFill>
+                  <a:schemeClr val="tx1"/>
+                </a:solidFill>
+                <a:latin typeface="Arial" pitchFamily="34" charset="0"/>
+                <a:ea typeface="楷体_GB2312" pitchFamily="49" charset="-122"/>
+              </a:rPr>
+              <a:t>400</a:t>
+            </a:r>
+            <a:r>
+              <a:rPr lang="zh-CN" altLang="en-US" sz="1600" dirty="0">
+                <a:solidFill>
+                  <a:schemeClr val="tx1"/>
+                </a:solidFill>
+                <a:latin typeface="Arial" pitchFamily="34" charset="0"/>
+                <a:ea typeface="楷体_GB2312" pitchFamily="49" charset="-122"/>
+              </a:rPr>
+              <a:t>亿</a:t>
+            </a:r>
+            <a:r>
+              <a:rPr lang="en-US" altLang="zh-CN" sz="1600" dirty="0">
+                <a:solidFill>
+                  <a:schemeClr val="tx1"/>
+                </a:solidFill>
+                <a:latin typeface="Arial" pitchFamily="34" charset="0"/>
+                <a:ea typeface="楷体_GB2312" pitchFamily="49" charset="-122"/>
+              </a:rPr>
+              <a:t>7</a:t>
+            </a:r>
+            <a:r>
+              <a:rPr lang="zh-CN" altLang="en-US" sz="1600" dirty="0">
+                <a:solidFill>
+                  <a:schemeClr val="tx1"/>
+                </a:solidFill>
+                <a:latin typeface="Arial" pitchFamily="34" charset="0"/>
+                <a:ea typeface="楷体_GB2312" pitchFamily="49" charset="-122"/>
+              </a:rPr>
+              <a:t>天、</a:t>
+            </a:r>
+            <a:r>
+              <a:rPr lang="en-US" altLang="zh-CN" sz="1600" dirty="0">
                 <a:solidFill>
                   <a:schemeClr val="tx1"/>
                 </a:solidFill>
@@ -25798,7 +25868,7 @@
               <a:t>200</a:t>
             </a:r>
             <a:r>
-              <a:rPr lang="zh-CN" altLang="en-US" sz="1800" dirty="0">
+              <a:rPr lang="zh-CN" altLang="en-US" sz="1600" dirty="0">
                 <a:solidFill>
                   <a:schemeClr val="tx1"/>
                 </a:solidFill>
@@ -25808,47 +25878,7 @@
               <a:t>亿</a:t>
             </a:r>
             <a:r>
-              <a:rPr lang="en-US" altLang="zh-CN" sz="1800" dirty="0">
-                <a:solidFill>
-                  <a:schemeClr val="tx1"/>
-                </a:solidFill>
-                <a:latin typeface="Arial" pitchFamily="34" charset="0"/>
-                <a:ea typeface="楷体_GB2312" pitchFamily="49" charset="-122"/>
-              </a:rPr>
-              <a:t>7</a:t>
-            </a:r>
-            <a:r>
-              <a:rPr lang="zh-CN" altLang="en-US" sz="1800" dirty="0">
-                <a:solidFill>
-                  <a:schemeClr val="tx1"/>
-                </a:solidFill>
-                <a:latin typeface="Arial" pitchFamily="34" charset="0"/>
-                <a:ea typeface="楷体_GB2312" pitchFamily="49" charset="-122"/>
-              </a:rPr>
-              <a:t>天、</a:t>
-            </a:r>
-            <a:r>
-              <a:rPr lang="en-US" altLang="zh-CN" sz="1800" dirty="0">
-                <a:solidFill>
-                  <a:schemeClr val="tx1"/>
-                </a:solidFill>
-                <a:latin typeface="Arial" pitchFamily="34" charset="0"/>
-                <a:ea typeface="楷体_GB2312" pitchFamily="49" charset="-122"/>
-              </a:rPr>
-              <a:t>100</a:t>
-            </a:r>
-            <a:r>
-              <a:rPr lang="zh-CN" altLang="en-US" sz="1800" dirty="0">
-                <a:solidFill>
-                  <a:schemeClr val="tx1"/>
-                </a:solidFill>
-                <a:latin typeface="Arial" pitchFamily="34" charset="0"/>
-                <a:ea typeface="楷体_GB2312" pitchFamily="49" charset="-122"/>
-              </a:rPr>
-              <a:t>亿</a:t>
-            </a:r>
-            <a:r>
-              <a:rPr lang="en-US" altLang="zh-CN" sz="1800" dirty="0">
+              <a:rPr lang="en-US" altLang="zh-CN" sz="1600" dirty="0">
                 <a:solidFill>
                   <a:schemeClr val="tx1"/>
                 </a:solidFill>
@@ -25858,7 +25888,7 @@
               <a:t>28</a:t>
             </a:r>
             <a:r>
-              <a:rPr lang="zh-CN" altLang="en-US" sz="1800" dirty="0">
+              <a:rPr lang="zh-CN" altLang="en-US" sz="1600" dirty="0">
                 <a:solidFill>
                   <a:schemeClr val="tx1"/>
                 </a:solidFill>
@@ -25868,17 +25898,17 @@
               <a:t>天期逆回购操作，当日有</a:t>
             </a:r>
             <a:r>
-              <a:rPr lang="en-US" altLang="zh-CN" sz="1800" dirty="0">
+              <a:rPr lang="en-US" altLang="zh-CN" sz="1600" dirty="0">
                 <a:solidFill>
                   <a:schemeClr val="tx1"/>
                 </a:solidFill>
                 <a:latin typeface="Arial" pitchFamily="34" charset="0"/>
                 <a:ea typeface="楷体_GB2312" pitchFamily="49" charset="-122"/>
               </a:rPr>
-              <a:t>300</a:t>
+              <a:t>600</a:t>
             </a:r>
             <a:r>
-              <a:rPr lang="zh-CN" altLang="en-US" sz="1800" dirty="0">
+              <a:rPr lang="zh-CN" altLang="en-US" sz="1600" dirty="0">
                 <a:solidFill>
                   <a:schemeClr val="tx1"/>
                 </a:solidFill>
@@ -25887,7 +25917,7 @@
               </a:rPr>
               <a:t>亿逆回购到期，完全对冲到期资金规模。（新闻来源：中国人民银行）</a:t>
             </a:r>
-            <a:endParaRPr lang="en-US" altLang="zh-CN" sz="1800" dirty="0">
+            <a:endParaRPr lang="en-US" altLang="zh-CN" sz="1600" dirty="0">
               <a:solidFill>
                 <a:schemeClr val="tx1"/>
               </a:solidFill>
@@ -25900,166 +25930,16 @@
               <a:buAutoNum type="arabicPeriod"/>
             </a:pPr>
             <a:r>
-              <a:rPr lang="en-US" altLang="zh-CN" sz="1800" dirty="0">
+              <a:rPr lang="zh-CN" altLang="en-US" sz="1600" dirty="0">
                 <a:solidFill>
                   <a:schemeClr val="tx1"/>
                 </a:solidFill>
                 <a:latin typeface="Arial" pitchFamily="34" charset="0"/>
                 <a:ea typeface="楷体_GB2312" pitchFamily="49" charset="-122"/>
               </a:rPr>
-              <a:t>8</a:t>
+              <a:t>央行研究局局长徐忠称，市场应在普惠金融发挥主导作用，中国推出了优惠政策，助推普惠金融，但无论是普惠理念还是数字技术，都不会改变金融的本质，引入数字技术或导致金融系统性风险更易放大。（新闻来源：经济日报）</a:t>
             </a:r>
-            <a:r>
-              <a:rPr lang="zh-CN" altLang="en-US" sz="1800" dirty="0">
-                <a:solidFill>
-                  <a:schemeClr val="tx1"/>
-                </a:solidFill>
-                <a:latin typeface="Arial" pitchFamily="34" charset="0"/>
-                <a:ea typeface="楷体_GB2312" pitchFamily="49" charset="-122"/>
-              </a:rPr>
-              <a:t>月份，债券市场共发行各类债券</a:t>
-            </a:r>
-            <a:r>
-              <a:rPr lang="en-US" altLang="zh-CN" sz="1800" dirty="0">
-                <a:solidFill>
-                  <a:schemeClr val="tx1"/>
-                </a:solidFill>
-                <a:latin typeface="Arial" pitchFamily="34" charset="0"/>
-                <a:ea typeface="楷体_GB2312" pitchFamily="49" charset="-122"/>
-              </a:rPr>
-              <a:t>4.4</a:t>
-            </a:r>
-            <a:r>
-              <a:rPr lang="zh-CN" altLang="en-US" sz="1800" dirty="0">
-                <a:solidFill>
-                  <a:schemeClr val="tx1"/>
-                </a:solidFill>
-                <a:latin typeface="Arial" pitchFamily="34" charset="0"/>
-                <a:ea typeface="楷体_GB2312" pitchFamily="49" charset="-122"/>
-              </a:rPr>
-              <a:t>万亿元。其中，国债发行</a:t>
-            </a:r>
-            <a:r>
-              <a:rPr lang="en-US" altLang="zh-CN" sz="1800" dirty="0">
-                <a:solidFill>
-                  <a:schemeClr val="tx1"/>
-                </a:solidFill>
-                <a:latin typeface="Arial" pitchFamily="34" charset="0"/>
-                <a:ea typeface="楷体_GB2312" pitchFamily="49" charset="-122"/>
-              </a:rPr>
-              <a:t>9290</a:t>
-            </a:r>
-            <a:r>
-              <a:rPr lang="zh-CN" altLang="en-US" sz="1800" dirty="0">
-                <a:solidFill>
-                  <a:schemeClr val="tx1"/>
-                </a:solidFill>
-                <a:latin typeface="Arial" pitchFamily="34" charset="0"/>
-                <a:ea typeface="楷体_GB2312" pitchFamily="49" charset="-122"/>
-              </a:rPr>
-              <a:t>亿元，金融债券发行</a:t>
-            </a:r>
-            <a:r>
-              <a:rPr lang="en-US" altLang="zh-CN" sz="1800" dirty="0">
-                <a:solidFill>
-                  <a:schemeClr val="tx1"/>
-                </a:solidFill>
-                <a:latin typeface="Arial" pitchFamily="34" charset="0"/>
-                <a:ea typeface="楷体_GB2312" pitchFamily="49" charset="-122"/>
-              </a:rPr>
-              <a:t>4247</a:t>
-            </a:r>
-            <a:r>
-              <a:rPr lang="zh-CN" altLang="en-US" sz="1800" dirty="0">
-                <a:solidFill>
-                  <a:schemeClr val="tx1"/>
-                </a:solidFill>
-                <a:latin typeface="Arial" pitchFamily="34" charset="0"/>
-                <a:ea typeface="楷体_GB2312" pitchFamily="49" charset="-122"/>
-              </a:rPr>
-              <a:t>亿元，公司信用类债券发行</a:t>
-            </a:r>
-            <a:r>
-              <a:rPr lang="en-US" altLang="zh-CN" sz="1800" dirty="0">
-                <a:solidFill>
-                  <a:schemeClr val="tx1"/>
-                </a:solidFill>
-                <a:latin typeface="Arial" pitchFamily="34" charset="0"/>
-                <a:ea typeface="楷体_GB2312" pitchFamily="49" charset="-122"/>
-              </a:rPr>
-              <a:t>6705</a:t>
-            </a:r>
-            <a:r>
-              <a:rPr lang="zh-CN" altLang="en-US" sz="1800" dirty="0">
-                <a:solidFill>
-                  <a:schemeClr val="tx1"/>
-                </a:solidFill>
-                <a:latin typeface="Arial" pitchFamily="34" charset="0"/>
-                <a:ea typeface="楷体_GB2312" pitchFamily="49" charset="-122"/>
-              </a:rPr>
-              <a:t>亿元，信贷资产支持证券发行</a:t>
-            </a:r>
-            <a:r>
-              <a:rPr lang="en-US" altLang="zh-CN" sz="1800" dirty="0">
-                <a:solidFill>
-                  <a:schemeClr val="tx1"/>
-                </a:solidFill>
-                <a:latin typeface="Arial" pitchFamily="34" charset="0"/>
-                <a:ea typeface="楷体_GB2312" pitchFamily="49" charset="-122"/>
-              </a:rPr>
-              <a:t>688</a:t>
-            </a:r>
-            <a:r>
-              <a:rPr lang="zh-CN" altLang="en-US" sz="1800" dirty="0">
-                <a:solidFill>
-                  <a:schemeClr val="tx1"/>
-                </a:solidFill>
-                <a:latin typeface="Arial" pitchFamily="34" charset="0"/>
-                <a:ea typeface="楷体_GB2312" pitchFamily="49" charset="-122"/>
-              </a:rPr>
-              <a:t>亿元，同业存单发行</a:t>
-            </a:r>
-            <a:r>
-              <a:rPr lang="en-US" altLang="zh-CN" sz="1800" dirty="0">
-                <a:solidFill>
-                  <a:schemeClr val="tx1"/>
-                </a:solidFill>
-                <a:latin typeface="Arial" pitchFamily="34" charset="0"/>
-                <a:ea typeface="楷体_GB2312" pitchFamily="49" charset="-122"/>
-              </a:rPr>
-              <a:t>1.6</a:t>
-            </a:r>
-            <a:r>
-              <a:rPr lang="zh-CN" altLang="en-US" sz="1800" dirty="0">
-                <a:solidFill>
-                  <a:schemeClr val="tx1"/>
-                </a:solidFill>
-                <a:latin typeface="Arial" pitchFamily="34" charset="0"/>
-                <a:ea typeface="楷体_GB2312" pitchFamily="49" charset="-122"/>
-              </a:rPr>
-              <a:t>万亿元。银行间债券市场共发行各类债券</a:t>
-            </a:r>
-            <a:r>
-              <a:rPr lang="en-US" altLang="zh-CN" sz="1800" dirty="0">
-                <a:solidFill>
-                  <a:schemeClr val="tx1"/>
-                </a:solidFill>
-                <a:latin typeface="Arial" pitchFamily="34" charset="0"/>
-                <a:ea typeface="楷体_GB2312" pitchFamily="49" charset="-122"/>
-              </a:rPr>
-              <a:t>3.9</a:t>
-            </a:r>
-            <a:r>
-              <a:rPr lang="zh-CN" altLang="en-US" sz="1800" dirty="0">
-                <a:solidFill>
-                  <a:schemeClr val="tx1"/>
-                </a:solidFill>
-                <a:latin typeface="Arial" pitchFamily="34" charset="0"/>
-                <a:ea typeface="楷体_GB2312" pitchFamily="49" charset="-122"/>
-              </a:rPr>
-              <a:t>万亿元。（新闻来源：中国人民银行）</a:t>
-            </a:r>
-            <a:endParaRPr lang="en-US" altLang="zh-CN" sz="1800" dirty="0">
+            <a:endParaRPr lang="en-US" altLang="zh-CN" sz="1600" dirty="0">
               <a:solidFill>
                 <a:schemeClr val="tx1"/>
               </a:solidFill>
@@ -26071,7 +25951,39 @@
             <a:pPr marL="342900" indent="-342900" algn="just">
               <a:buAutoNum type="arabicPeriod"/>
             </a:pPr>
-            <a:endParaRPr lang="en-US" altLang="zh-CN" sz="1800" dirty="0">
+            <a:r>
+              <a:rPr lang="zh-CN" altLang="en-US" sz="1600" dirty="0">
+                <a:solidFill>
+                  <a:schemeClr val="tx1"/>
+                </a:solidFill>
+                <a:latin typeface="Arial" pitchFamily="34" charset="0"/>
+                <a:ea typeface="楷体_GB2312" pitchFamily="49" charset="-122"/>
+              </a:rPr>
+              <a:t>知情人士称，中国央行会同银监会近期要求各地监管部门，指导银行规范个人消费贷款，防止消费贷款违规流入房地产市场。中国央行的要求重点针对一线和热点房地产城市。（新闻来源：彭博社）</a:t>
+            </a:r>
+            <a:endParaRPr lang="en-US" altLang="zh-CN" sz="1600" dirty="0">
+              <a:solidFill>
+                <a:schemeClr val="tx1"/>
+              </a:solidFill>
+              <a:latin typeface="Arial" pitchFamily="34" charset="0"/>
+              <a:ea typeface="楷体_GB2312" pitchFamily="49" charset="-122"/>
+            </a:endParaRPr>
+          </a:p>
+          <a:p>
+            <a:pPr marL="342900" indent="-342900" algn="just">
+              <a:buAutoNum type="arabicPeriod"/>
+            </a:pPr>
+            <a:r>
+              <a:rPr lang="zh-CN" altLang="en-US" sz="1600" dirty="0">
+                <a:solidFill>
+                  <a:schemeClr val="tx1"/>
+                </a:solidFill>
+                <a:latin typeface="Arial" pitchFamily="34" charset="0"/>
+                <a:ea typeface="楷体_GB2312" pitchFamily="49" charset="-122"/>
+              </a:rPr>
+              <a:t>复星国际回应卖出民生银行股票称，该大宗交易系二级市场投资有买有卖的正常行为，复星仍然会关注银行板块的价值投资机会。（新闻来源：腾讯财经）</a:t>
+            </a:r>
+            <a:endParaRPr lang="en-US" altLang="zh-CN" sz="1600" dirty="0">
               <a:solidFill>
                 <a:schemeClr val="tx1"/>
               </a:solidFill>
@@ -26082,7 +25994,7 @@
           <a:p>
             <a:pPr algn="r"/>
             <a:r>
-              <a:rPr lang="zh-CN" altLang="en-US" sz="1800" dirty="0">
+              <a:rPr lang="zh-CN" altLang="en-US" sz="1600" dirty="0">
                 <a:solidFill>
                   <a:schemeClr val="tx1"/>
                 </a:solidFill>
@@ -26093,7 +26005,7 @@
               <a:t>联系人：马婷婷</a:t>
             </a:r>
             <a:r>
-              <a:rPr lang="en-US" altLang="zh-CN" sz="1800" dirty="0">
+              <a:rPr lang="en-US" altLang="zh-CN" sz="1600" dirty="0">
                 <a:solidFill>
                   <a:schemeClr val="tx1"/>
                 </a:solidFill>
@@ -26104,7 +26016,7 @@
               <a:t>/</a:t>
             </a:r>
             <a:r>
-              <a:rPr lang="zh-CN" altLang="en-US" sz="1800" dirty="0">
+              <a:rPr lang="zh-CN" altLang="en-US" sz="1600" dirty="0">
                 <a:solidFill>
                   <a:schemeClr val="tx1"/>
                 </a:solidFill>
@@ -26114,7 +26026,7 @@
               </a:rPr>
               <a:t>蒋江松媛</a:t>
             </a:r>
-            <a:endParaRPr lang="en-US" altLang="zh-CN" sz="1800" dirty="0">
+            <a:endParaRPr lang="en-US" altLang="zh-CN" sz="1600" dirty="0">
               <a:solidFill>
                 <a:schemeClr val="tx1"/>
               </a:solidFill>

--- a/日报/日报PPT底稿.pptx
+++ b/日报/日报PPT底稿.pptx
@@ -11249,10 +11249,10 @@
           </c:marker>
           <c:cat>
             <c:numRef>
-              <c:f>银行间质押!$A$2:$A$433</c:f>
+              <c:f>银行间质押!$A$2:$A$434</c:f>
               <c:numCache>
                 <c:formatCode>yyyy\-mm\-dd;@</c:formatCode>
-                <c:ptCount val="432"/>
+                <c:ptCount val="433"/>
                 <c:pt idx="0">
                   <c:v>42373</c:v>
                 </c:pt>
@@ -12548,16 +12548,19 @@
                 </c:pt>
                 <c:pt idx="431">
                   <c:v>42998</c:v>
+                </c:pt>
+                <c:pt idx="432">
+                  <c:v>42999</c:v>
                 </c:pt>
               </c:numCache>
             </c:numRef>
           </c:cat>
           <c:val>
             <c:numRef>
-              <c:f>银行间质押!$B$2:$B$433</c:f>
+              <c:f>银行间质押!$B$2:$B$434</c:f>
               <c:numCache>
                 <c:formatCode>###,###,###,###,##0_ </c:formatCode>
-                <c:ptCount val="432"/>
+                <c:ptCount val="433"/>
                 <c:pt idx="0">
                   <c:v>20380.391599999999</c:v>
                 </c:pt>
@@ -13853,6 +13856,9 @@
                 </c:pt>
                 <c:pt idx="431" formatCode="General">
                   <c:v>25494.203799999999</c:v>
+                </c:pt>
+                <c:pt idx="432" formatCode="General">
+                  <c:v>27110.438399999999</c:v>
                 </c:pt>
               </c:numCache>
             </c:numRef>
@@ -13860,7 +13866,7 @@
           <c:smooth val="0"/>
           <c:extLst>
             <c:ext xmlns:c16="http://schemas.microsoft.com/office/drawing/2014/chart" uri="{C3380CC4-5D6E-409C-BE32-E72D297353CC}">
-              <c16:uniqueId val="{00000000-D39C-4F7E-BAD4-9FA3CB5FBB65}"/>
+              <c16:uniqueId val="{00000000-FD45-4BBD-8737-286580E68985}"/>
             </c:ext>
           </c:extLst>
         </c:ser>
@@ -13909,10 +13915,10 @@
           </c:marker>
           <c:cat>
             <c:numRef>
-              <c:f>银行间质押!$A$2:$A$433</c:f>
+              <c:f>银行间质押!$A$2:$A$434</c:f>
               <c:numCache>
                 <c:formatCode>yyyy\-mm\-dd;@</c:formatCode>
-                <c:ptCount val="432"/>
+                <c:ptCount val="433"/>
                 <c:pt idx="0">
                   <c:v>42373</c:v>
                 </c:pt>
@@ -15208,16 +15214,19 @@
                 </c:pt>
                 <c:pt idx="431">
                   <c:v>42998</c:v>
+                </c:pt>
+                <c:pt idx="432">
+                  <c:v>42999</c:v>
                 </c:pt>
               </c:numCache>
             </c:numRef>
           </c:cat>
           <c:val>
             <c:numRef>
-              <c:f>银行间质押!$C$2:$C$433</c:f>
+              <c:f>银行间质押!$C$2:$C$434</c:f>
               <c:numCache>
                 <c:formatCode>0.00%</c:formatCode>
-                <c:ptCount val="432"/>
+                <c:ptCount val="433"/>
                 <c:pt idx="0">
                   <c:v>2.1873E-2</c:v>
                 </c:pt>
@@ -16513,6 +16522,9 @@
                 </c:pt>
                 <c:pt idx="431">
                   <c:v>3.1653000000000001E-2</c:v>
+                </c:pt>
+                <c:pt idx="432">
+                  <c:v>3.1186999999999999E-2</c:v>
                 </c:pt>
               </c:numCache>
             </c:numRef>
@@ -16520,7 +16532,7 @@
           <c:smooth val="0"/>
           <c:extLst>
             <c:ext xmlns:c16="http://schemas.microsoft.com/office/drawing/2014/chart" uri="{C3380CC4-5D6E-409C-BE32-E72D297353CC}">
-              <c16:uniqueId val="{00000001-D39C-4F7E-BAD4-9FA3CB5FBB65}"/>
+              <c16:uniqueId val="{00000001-FD45-4BBD-8737-286580E68985}"/>
             </c:ext>
           </c:extLst>
         </c:ser>
@@ -17888,7 +17900,7 @@
           <a:graphicData uri="http://schemas.openxmlformats.org/presentationml/2006/ole">
             <mc:AlternateContent xmlns:mc="http://schemas.openxmlformats.org/markup-compatibility/2006">
               <mc:Choice xmlns:v="urn:schemas-microsoft-com:vml" Requires="v">
-                <p:oleObj spid="_x0000_s2494" name="Image" r:id="rId3" imgW="5663492" imgH="3326984" progId="">
+                <p:oleObj spid="_x0000_s2496" name="Image" r:id="rId3" imgW="5663492" imgH="3326984" progId="">
                   <p:embed/>
                 </p:oleObj>
               </mc:Choice>
@@ -18205,7 +18217,7 @@
           <a:graphicData uri="http://schemas.openxmlformats.org/presentationml/2006/ole">
             <mc:AlternateContent xmlns:mc="http://schemas.openxmlformats.org/markup-compatibility/2006">
               <mc:Choice xmlns:v="urn:schemas-microsoft-com:vml" Requires="v">
-                <p:oleObj spid="_x0000_s3518" name="Image" r:id="rId3" imgW="5663492" imgH="3326984" progId="">
+                <p:oleObj spid="_x0000_s3520" name="Image" r:id="rId3" imgW="5663492" imgH="3326984" progId="">
                   <p:embed/>
                 </p:oleObj>
               </mc:Choice>
@@ -18774,7 +18786,7 @@
           <a:graphicData uri="http://schemas.openxmlformats.org/presentationml/2006/ole">
             <mc:AlternateContent xmlns:mc="http://schemas.openxmlformats.org/markup-compatibility/2006">
               <mc:Choice xmlns:v="urn:schemas-microsoft-com:vml" Requires="v">
-                <p:oleObj spid="_x0000_s4542" name="Image" r:id="rId3" imgW="5663492" imgH="3326984" progId="">
+                <p:oleObj spid="_x0000_s4544" name="Image" r:id="rId3" imgW="5663492" imgH="3326984" progId="">
                   <p:embed/>
                 </p:oleObj>
               </mc:Choice>
@@ -23718,7 +23730,7 @@
           <a:graphicData uri="http://schemas.openxmlformats.org/presentationml/2006/ole">
             <mc:AlternateContent xmlns:mc="http://schemas.openxmlformats.org/markup-compatibility/2006">
               <mc:Choice xmlns:v="urn:schemas-microsoft-com:vml" Requires="v">
-                <p:oleObj spid="_x0000_s1470" name="Image" r:id="rId18" imgW="5663492" imgH="3326984" progId="">
+                <p:oleObj spid="_x0000_s1472" name="Image" r:id="rId18" imgW="5663492" imgH="3326984" progId="">
                   <p:embed/>
                 </p:oleObj>
               </mc:Choice>
@@ -24806,7 +24818,7 @@
       </p:grpSpPr>
       <p:graphicFrame>
         <p:nvGraphicFramePr>
-          <p:cNvPr id="5" name="图表 4">
+          <p:cNvPr id="3" name="图表 2">
             <a:extLst>
               <a:ext uri="{FF2B5EF4-FFF2-40B4-BE49-F238E27FC236}">
                 <a16:creationId xmlns:a16="http://schemas.microsoft.com/office/drawing/2014/main" id="{00000000-0008-0000-0400-000002000000}"/>
@@ -24816,10 +24828,16 @@
           <p:cNvGraphicFramePr>
             <a:graphicFrameLocks/>
           </p:cNvGraphicFramePr>
-          <p:nvPr/>
+          <p:nvPr>
+            <p:extLst>
+              <p:ext uri="{D42A27DB-BD31-4B8C-83A1-F6EECF244321}">
+                <p14:modId xmlns:p14="http://schemas.microsoft.com/office/powerpoint/2010/main" val="1802574015"/>
+              </p:ext>
+            </p:extLst>
+          </p:nvPr>
         </p:nvGraphicFramePr>
         <p:xfrm>
-          <a:off x="285750" y="176212"/>
+          <a:off x="223757" y="230456"/>
           <a:ext cx="8572500" cy="3248025"/>
         </p:xfrm>
         <a:graphic>

--- a/日报/日报PPT底稿.pptx
+++ b/日报/日报PPT底稿.pptx
@@ -236,10 +236,10 @@
           </c:marker>
           <c:cat>
             <c:numRef>
-              <c:f>隔夜拆借率!$A$3:$A$434</c:f>
+              <c:f>隔夜拆借率!$A$3:$A$437</c:f>
               <c:numCache>
                 <c:formatCode>yyyy\-mm\-dd;@</c:formatCode>
-                <c:ptCount val="432"/>
+                <c:ptCount val="435"/>
                 <c:pt idx="0">
                   <c:v>42373</c:v>
                 </c:pt>
@@ -1535,16 +1535,25 @@
                 </c:pt>
                 <c:pt idx="431">
                   <c:v>42999</c:v>
+                </c:pt>
+                <c:pt idx="432">
+                  <c:v>43000</c:v>
+                </c:pt>
+                <c:pt idx="433">
+                  <c:v>43003</c:v>
+                </c:pt>
+                <c:pt idx="434">
+                  <c:v>43004</c:v>
                 </c:pt>
               </c:numCache>
             </c:numRef>
           </c:cat>
           <c:val>
             <c:numRef>
-              <c:f>隔夜拆借率!$B$3:$B$434</c:f>
+              <c:f>隔夜拆借率!$B$3:$B$437</c:f>
               <c:numCache>
                 <c:formatCode>0.00%</c:formatCode>
-                <c:ptCount val="432"/>
+                <c:ptCount val="435"/>
                 <c:pt idx="0">
                   <c:v>1.9950000000000002E-2</c:v>
                 </c:pt>
@@ -2840,6 +2849,15 @@
                 </c:pt>
                 <c:pt idx="431">
                   <c:v>2.8056999999999999E-2</c:v>
+                </c:pt>
+                <c:pt idx="432">
+                  <c:v>2.7559999999999998E-2</c:v>
+                </c:pt>
+                <c:pt idx="433">
+                  <c:v>2.758E-2</c:v>
+                </c:pt>
+                <c:pt idx="434">
+                  <c:v>2.8370000000000003E-2</c:v>
                 </c:pt>
               </c:numCache>
             </c:numRef>
@@ -2847,7 +2865,7 @@
           <c:smooth val="0"/>
           <c:extLst>
             <c:ext xmlns:c16="http://schemas.microsoft.com/office/drawing/2014/chart" uri="{C3380CC4-5D6E-409C-BE32-E72D297353CC}">
-              <c16:uniqueId val="{00000000-2183-4EDE-93AE-91D3A527E940}"/>
+              <c16:uniqueId val="{00000000-0F4C-4E31-A6F8-FB0AFD911A4D}"/>
             </c:ext>
           </c:extLst>
         </c:ser>
@@ -2870,10 +2888,10 @@
           </c:marker>
           <c:cat>
             <c:numRef>
-              <c:f>隔夜拆借率!$A$3:$A$434</c:f>
+              <c:f>隔夜拆借率!$A$3:$A$437</c:f>
               <c:numCache>
                 <c:formatCode>yyyy\-mm\-dd;@</c:formatCode>
-                <c:ptCount val="432"/>
+                <c:ptCount val="435"/>
                 <c:pt idx="0">
                   <c:v>42373</c:v>
                 </c:pt>
@@ -4169,16 +4187,25 @@
                 </c:pt>
                 <c:pt idx="431">
                   <c:v>42999</c:v>
+                </c:pt>
+                <c:pt idx="432">
+                  <c:v>43000</c:v>
+                </c:pt>
+                <c:pt idx="433">
+                  <c:v>43003</c:v>
+                </c:pt>
+                <c:pt idx="434">
+                  <c:v>43004</c:v>
                 </c:pt>
               </c:numCache>
             </c:numRef>
           </c:cat>
           <c:val>
             <c:numRef>
-              <c:f>隔夜拆借率!$C$3:$C$434</c:f>
+              <c:f>隔夜拆借率!$C$3:$C$437</c:f>
               <c:numCache>
                 <c:formatCode>0.00%</c:formatCode>
-                <c:ptCount val="432"/>
+                <c:ptCount val="435"/>
                 <c:pt idx="0">
                   <c:v>2.3349999999999999E-2</c:v>
                 </c:pt>
@@ -5474,6 +5501,15 @@
                 </c:pt>
                 <c:pt idx="431">
                   <c:v>2.8690000000000004E-2</c:v>
+                </c:pt>
+                <c:pt idx="432">
+                  <c:v>2.8580000000000001E-2</c:v>
+                </c:pt>
+                <c:pt idx="433">
+                  <c:v>2.8986999999999999E-2</c:v>
+                </c:pt>
+                <c:pt idx="434">
+                  <c:v>2.9291000000000001E-2</c:v>
                 </c:pt>
               </c:numCache>
             </c:numRef>
@@ -5481,7 +5517,7 @@
           <c:smooth val="0"/>
           <c:extLst>
             <c:ext xmlns:c16="http://schemas.microsoft.com/office/drawing/2014/chart" uri="{C3380CC4-5D6E-409C-BE32-E72D297353CC}">
-              <c16:uniqueId val="{00000001-2183-4EDE-93AE-91D3A527E940}"/>
+              <c16:uniqueId val="{00000001-0F4C-4E31-A6F8-FB0AFD911A4D}"/>
             </c:ext>
           </c:extLst>
         </c:ser>
@@ -8327,16 +8363,16 @@
                   <c:v>4.5533000000000004E-2</c:v>
                 </c:pt>
                 <c:pt idx="423">
-                  <c:v>4.4649000000000001E-2</c:v>
+                  <c:v>4.4654999999999993E-2</c:v>
                 </c:pt>
                 <c:pt idx="424">
-                  <c:v>4.4657999999999996E-2</c:v>
+                  <c:v>4.4608000000000002E-2</c:v>
                 </c:pt>
                 <c:pt idx="425">
-                  <c:v>4.5127E-2</c:v>
+                  <c:v>4.5094000000000002E-2</c:v>
                 </c:pt>
                 <c:pt idx="426">
-                  <c:v>4.5400999999999997E-2</c:v>
+                  <c:v>4.5210999999999994E-2</c:v>
                 </c:pt>
                 <c:pt idx="427">
                   <c:v>4.5124000000000004E-2</c:v>
@@ -8351,7 +8387,7 @@
                   <c:v>4.5505000000000004E-2</c:v>
                 </c:pt>
                 <c:pt idx="431">
-                  <c:v>4.6430999999999993E-2</c:v>
+                  <c:v>4.5894000000000004E-2</c:v>
                 </c:pt>
               </c:numCache>
             </c:numRef>
@@ -8359,7 +8395,7 @@
           <c:smooth val="0"/>
           <c:extLst>
             <c:ext xmlns:c16="http://schemas.microsoft.com/office/drawing/2014/chart" uri="{C3380CC4-5D6E-409C-BE32-E72D297353CC}">
-              <c16:uniqueId val="{00000000-D9AA-43AA-A5B1-3FB498431661}"/>
+              <c16:uniqueId val="{00000000-853A-4DD4-9780-AAFB9CC5F42E}"/>
             </c:ext>
           </c:extLst>
         </c:ser>
@@ -10964,13 +11000,13 @@
                   <c:v>4.4989999999999995E-2</c:v>
                 </c:pt>
                 <c:pt idx="424">
-                  <c:v>4.3838999999999996E-2</c:v>
+                  <c:v>4.3574000000000002E-2</c:v>
                 </c:pt>
                 <c:pt idx="425">
-                  <c:v>4.4808000000000001E-2</c:v>
+                  <c:v>4.4785000000000005E-2</c:v>
                 </c:pt>
                 <c:pt idx="426">
-                  <c:v>4.4222000000000004E-2</c:v>
+                  <c:v>4.4191000000000001E-2</c:v>
                 </c:pt>
                 <c:pt idx="427">
                   <c:v>4.4352000000000003E-2</c:v>
@@ -10985,7 +11021,7 @@
                   <c:v>4.4736999999999999E-2</c:v>
                 </c:pt>
                 <c:pt idx="431">
-                  <c:v>4.4617000000000004E-2</c:v>
+                  <c:v>4.4592E-2</c:v>
                 </c:pt>
               </c:numCache>
             </c:numRef>
@@ -10993,7 +11029,7 @@
           <c:smooth val="0"/>
           <c:extLst>
             <c:ext xmlns:c16="http://schemas.microsoft.com/office/drawing/2014/chart" uri="{C3380CC4-5D6E-409C-BE32-E72D297353CC}">
-              <c16:uniqueId val="{00000001-D9AA-43AA-A5B1-3FB498431661}"/>
+              <c16:uniqueId val="{00000001-853A-4DD4-9780-AAFB9CC5F42E}"/>
             </c:ext>
           </c:extLst>
         </c:ser>
@@ -11121,8 +11157,8 @@
         <c:manualLayout>
           <c:xMode val="edge"/>
           <c:yMode val="edge"/>
-          <c:x val="0.61413051761399484"/>
-          <c:y val="0.10005693746810501"/>
+          <c:x val="0.43545939464253935"/>
+          <c:y val="0.11142057044244501"/>
           <c:w val="0.11111105502838496"/>
           <c:h val="0.14722222222222348"/>
         </c:manualLayout>
@@ -11249,10 +11285,10 @@
           </c:marker>
           <c:cat>
             <c:numRef>
-              <c:f>银行间质押!$A$2:$A$434</c:f>
+              <c:f>银行间质押!$A$2:$A$437</c:f>
               <c:numCache>
                 <c:formatCode>yyyy\-mm\-dd;@</c:formatCode>
-                <c:ptCount val="433"/>
+                <c:ptCount val="436"/>
                 <c:pt idx="0">
                   <c:v>42373</c:v>
                 </c:pt>
@@ -12551,16 +12587,25 @@
                 </c:pt>
                 <c:pt idx="432">
                   <c:v>42999</c:v>
+                </c:pt>
+                <c:pt idx="433">
+                  <c:v>43000</c:v>
+                </c:pt>
+                <c:pt idx="434">
+                  <c:v>43003</c:v>
+                </c:pt>
+                <c:pt idx="435">
+                  <c:v>43004</c:v>
                 </c:pt>
               </c:numCache>
             </c:numRef>
           </c:cat>
           <c:val>
             <c:numRef>
-              <c:f>银行间质押!$B$2:$B$434</c:f>
+              <c:f>银行间质押!$B$2:$B$437</c:f>
               <c:numCache>
                 <c:formatCode>###,###,###,###,##0_ </c:formatCode>
-                <c:ptCount val="433"/>
+                <c:ptCount val="436"/>
                 <c:pt idx="0">
                   <c:v>20380.391599999999</c:v>
                 </c:pt>
@@ -13848,17 +13893,26 @@
                 <c:pt idx="428">
                   <c:v>23970.525399999999</c:v>
                 </c:pt>
-                <c:pt idx="429" formatCode="General">
+                <c:pt idx="429">
                   <c:v>23949.713500000002</c:v>
                 </c:pt>
-                <c:pt idx="430" formatCode="General">
+                <c:pt idx="430">
                   <c:v>24367.033599999999</c:v>
                 </c:pt>
-                <c:pt idx="431" formatCode="General">
+                <c:pt idx="431">
                   <c:v>25494.203799999999</c:v>
                 </c:pt>
-                <c:pt idx="432" formatCode="General">
+                <c:pt idx="432">
                   <c:v>27110.438399999999</c:v>
+                </c:pt>
+                <c:pt idx="433">
+                  <c:v>25563.730200000002</c:v>
+                </c:pt>
+                <c:pt idx="434" formatCode="General">
+                  <c:v>28858.9244</c:v>
+                </c:pt>
+                <c:pt idx="435" formatCode="General">
+                  <c:v>28708.861199999999</c:v>
                 </c:pt>
               </c:numCache>
             </c:numRef>
@@ -13866,7 +13920,7 @@
           <c:smooth val="0"/>
           <c:extLst>
             <c:ext xmlns:c16="http://schemas.microsoft.com/office/drawing/2014/chart" uri="{C3380CC4-5D6E-409C-BE32-E72D297353CC}">
-              <c16:uniqueId val="{00000000-FD45-4BBD-8737-286580E68985}"/>
+              <c16:uniqueId val="{00000000-E3C9-41A2-BC7C-B013E886039E}"/>
             </c:ext>
           </c:extLst>
         </c:ser>
@@ -13915,10 +13969,10 @@
           </c:marker>
           <c:cat>
             <c:numRef>
-              <c:f>银行间质押!$A$2:$A$434</c:f>
+              <c:f>银行间质押!$A$2:$A$437</c:f>
               <c:numCache>
                 <c:formatCode>yyyy\-mm\-dd;@</c:formatCode>
-                <c:ptCount val="433"/>
+                <c:ptCount val="436"/>
                 <c:pt idx="0">
                   <c:v>42373</c:v>
                 </c:pt>
@@ -15217,16 +15271,25 @@
                 </c:pt>
                 <c:pt idx="432">
                   <c:v>42999</c:v>
+                </c:pt>
+                <c:pt idx="433">
+                  <c:v>43000</c:v>
+                </c:pt>
+                <c:pt idx="434">
+                  <c:v>43003</c:v>
+                </c:pt>
+                <c:pt idx="435">
+                  <c:v>43004</c:v>
                 </c:pt>
               </c:numCache>
             </c:numRef>
           </c:cat>
           <c:val>
             <c:numRef>
-              <c:f>银行间质押!$C$2:$C$434</c:f>
+              <c:f>银行间质押!$C$2:$C$437</c:f>
               <c:numCache>
                 <c:formatCode>0.00%</c:formatCode>
-                <c:ptCount val="433"/>
+                <c:ptCount val="436"/>
                 <c:pt idx="0">
                   <c:v>2.1873E-2</c:v>
                 </c:pt>
@@ -16525,6 +16588,15 @@
                 </c:pt>
                 <c:pt idx="432">
                   <c:v>3.1186999999999999E-2</c:v>
+                </c:pt>
+                <c:pt idx="433">
+                  <c:v>3.0103000000000001E-2</c:v>
+                </c:pt>
+                <c:pt idx="434">
+                  <c:v>3.1274000000000003E-2</c:v>
+                </c:pt>
+                <c:pt idx="435">
+                  <c:v>3.3432000000000003E-2</c:v>
                 </c:pt>
               </c:numCache>
             </c:numRef>
@@ -16532,7 +16604,7 @@
           <c:smooth val="0"/>
           <c:extLst>
             <c:ext xmlns:c16="http://schemas.microsoft.com/office/drawing/2014/chart" uri="{C3380CC4-5D6E-409C-BE32-E72D297353CC}">
-              <c16:uniqueId val="{00000001-FD45-4BBD-8737-286580E68985}"/>
+              <c16:uniqueId val="{00000001-E3C9-41A2-BC7C-B013E886039E}"/>
             </c:ext>
           </c:extLst>
         </c:ser>
@@ -16826,7 +16898,7 @@
             <a:fld id="{ED62FF87-B599-48C5-BB22-B0B305D7BDE7}" type="datetimeFigureOut">
               <a:rPr lang="zh-CN" altLang="en-US" smtClean="0"/>
               <a:pPr/>
-              <a:t>2017/9/21</a:t>
+              <a:t>2017/9/26</a:t>
             </a:fld>
             <a:endParaRPr lang="zh-CN" altLang="en-US"/>
           </a:p>
@@ -16993,7 +17065,7 @@
             <a:fld id="{6CEF6153-3878-444A-B180-CA5666EAB5DB}" type="datetimeFigureOut">
               <a:rPr lang="zh-CN" altLang="en-US" smtClean="0"/>
               <a:pPr/>
-              <a:t>2017/9/21</a:t>
+              <a:t>2017/9/26</a:t>
             </a:fld>
             <a:endParaRPr lang="zh-CN" altLang="en-US"/>
           </a:p>
@@ -17454,7 +17526,7 @@
             <a:fld id="{216C5678-EE20-4FA5-88E2-6E0BD67A2E26}" type="datetime1">
               <a:rPr lang="en-US" smtClean="0"/>
               <a:pPr/>
-              <a:t>9/21/2017</a:t>
+              <a:t>9/26/2017</a:t>
             </a:fld>
             <a:endParaRPr lang="en-US" dirty="0"/>
           </a:p>
@@ -17625,7 +17697,7 @@
             <a:fld id="{EA051B39-B140-43FE-96DB-472A2B59CE7C}" type="datetime1">
               <a:rPr lang="en-US" smtClean="0"/>
               <a:pPr/>
-              <a:t>9/21/2017</a:t>
+              <a:t>9/26/2017</a:t>
             </a:fld>
             <a:endParaRPr lang="en-US"/>
           </a:p>
@@ -17806,7 +17878,7 @@
             <a:fld id="{DA600BB2-27C5-458B-ABCE-839C88CF47CE}" type="datetime1">
               <a:rPr lang="en-US" smtClean="0"/>
               <a:pPr/>
-              <a:t>9/21/2017</a:t>
+              <a:t>9/26/2017</a:t>
             </a:fld>
             <a:endParaRPr lang="en-US"/>
           </a:p>
@@ -17900,7 +17972,7 @@
           <a:graphicData uri="http://schemas.openxmlformats.org/presentationml/2006/ole">
             <mc:AlternateContent xmlns:mc="http://schemas.openxmlformats.org/markup-compatibility/2006">
               <mc:Choice xmlns:v="urn:schemas-microsoft-com:vml" Requires="v">
-                <p:oleObj spid="_x0000_s2496" name="Image" r:id="rId3" imgW="5663492" imgH="3326984" progId="">
+                <p:oleObj spid="_x0000_s2503" name="Image" r:id="rId3" imgW="5663492" imgH="3326984" progId="">
                   <p:embed/>
                 </p:oleObj>
               </mc:Choice>
@@ -18217,7 +18289,7 @@
           <a:graphicData uri="http://schemas.openxmlformats.org/presentationml/2006/ole">
             <mc:AlternateContent xmlns:mc="http://schemas.openxmlformats.org/markup-compatibility/2006">
               <mc:Choice xmlns:v="urn:schemas-microsoft-com:vml" Requires="v">
-                <p:oleObj spid="_x0000_s3520" name="Image" r:id="rId3" imgW="5663492" imgH="3326984" progId="">
+                <p:oleObj spid="_x0000_s3527" name="Image" r:id="rId3" imgW="5663492" imgH="3326984" progId="">
                   <p:embed/>
                 </p:oleObj>
               </mc:Choice>
@@ -18786,7 +18858,7 @@
           <a:graphicData uri="http://schemas.openxmlformats.org/presentationml/2006/ole">
             <mc:AlternateContent xmlns:mc="http://schemas.openxmlformats.org/markup-compatibility/2006">
               <mc:Choice xmlns:v="urn:schemas-microsoft-com:vml" Requires="v">
-                <p:oleObj spid="_x0000_s4544" name="Image" r:id="rId3" imgW="5663492" imgH="3326984" progId="">
+                <p:oleObj spid="_x0000_s4551" name="Image" r:id="rId3" imgW="5663492" imgH="3326984" progId="">
                   <p:embed/>
                 </p:oleObj>
               </mc:Choice>
@@ -19898,7 +19970,7 @@
             <a:fld id="{B11D738E-8962-435F-8C43-147B8DD7E819}" type="datetime1">
               <a:rPr lang="en-US" smtClean="0"/>
               <a:pPr/>
-              <a:t>9/21/2017</a:t>
+              <a:t>9/26/2017</a:t>
             </a:fld>
             <a:endParaRPr lang="en-US"/>
           </a:p>
@@ -21331,7 +21403,7 @@
             <a:fld id="{09CAEA93-55E7-4DA9-90C2-089A26EEFEC4}" type="datetime1">
               <a:rPr lang="en-US" smtClean="0"/>
               <a:pPr/>
-              <a:t>9/21/2017</a:t>
+              <a:t>9/26/2017</a:t>
             </a:fld>
             <a:endParaRPr lang="en-US"/>
           </a:p>
@@ -21685,7 +21757,7 @@
             <a:fld id="{E34CF3C7-6809-4F39-BD67-A75817BDDE0A}" type="datetime1">
               <a:rPr lang="en-US" smtClean="0"/>
               <a:pPr/>
-              <a:t>9/21/2017</a:t>
+              <a:t>9/26/2017</a:t>
             </a:fld>
             <a:endParaRPr lang="en-US"/>
           </a:p>
@@ -21999,7 +22071,7 @@
             <a:fld id="{F7EAEB24-CE78-465C-A726-91D0868FA48F}" type="datetime1">
               <a:rPr lang="en-US" smtClean="0"/>
               <a:pPr/>
-              <a:t>9/21/2017</a:t>
+              <a:t>9/26/2017</a:t>
             </a:fld>
             <a:endParaRPr lang="en-US"/>
           </a:p>
@@ -22232,7 +22304,7 @@
             <a:fld id="{40BAADF0-1749-4E8B-9691-B44A5F8C0895}" type="datetime1">
               <a:rPr lang="en-US" smtClean="0"/>
               <a:pPr/>
-              <a:t>9/21/2017</a:t>
+              <a:t>9/26/2017</a:t>
             </a:fld>
             <a:endParaRPr lang="en-US"/>
           </a:p>
@@ -22328,7 +22400,7 @@
             <a:fld id="{A8AF628A-A867-4937-BBE5-207DB6F9C51A}" type="datetime1">
               <a:rPr lang="en-US" smtClean="0"/>
               <a:pPr/>
-              <a:t>9/21/2017</a:t>
+              <a:t>9/26/2017</a:t>
             </a:fld>
             <a:endParaRPr lang="en-US"/>
           </a:p>
@@ -22622,7 +22694,7 @@
             <a:fld id="{118BBB94-68E6-4675-A946-F1C5994EDBD7}" type="datetime1">
               <a:rPr lang="en-US" smtClean="0"/>
               <a:pPr/>
-              <a:t>9/21/2017</a:t>
+              <a:t>9/26/2017</a:t>
             </a:fld>
             <a:endParaRPr lang="en-US"/>
           </a:p>
@@ -22897,7 +22969,7 @@
             <a:fld id="{DC3B8377-21E3-4835-B75D-4E2847E2750F}" type="datetime1">
               <a:rPr lang="en-US" smtClean="0"/>
               <a:pPr/>
-              <a:t>9/21/2017</a:t>
+              <a:t>9/26/2017</a:t>
             </a:fld>
             <a:endParaRPr lang="en-US"/>
           </a:p>
@@ -23149,7 +23221,7 @@
             <a:fld id="{B0C4986D-6BE9-4264-908F-02DB36FD8D6C}" type="datetime1">
               <a:rPr lang="en-US" smtClean="0"/>
               <a:pPr/>
-              <a:t>9/21/2017</a:t>
+              <a:t>9/26/2017</a:t>
             </a:fld>
             <a:endParaRPr lang="en-US" dirty="0"/>
           </a:p>
@@ -23730,7 +23802,7 @@
           <a:graphicData uri="http://schemas.openxmlformats.org/presentationml/2006/ole">
             <mc:AlternateContent xmlns:mc="http://schemas.openxmlformats.org/markup-compatibility/2006">
               <mc:Choice xmlns:v="urn:schemas-microsoft-com:vml" Requires="v">
-                <p:oleObj spid="_x0000_s1472" name="Image" r:id="rId18" imgW="5663492" imgH="3326984" progId="">
+                <p:oleObj spid="_x0000_s1479" name="Image" r:id="rId18" imgW="5663492" imgH="3326984" progId="">
                   <p:embed/>
                 </p:oleObj>
               </mc:Choice>
@@ -24557,7 +24629,7 @@
           <a:p>
             <a:pPr marL="282417"/>
             <a:r>
-              <a:rPr lang="en-US" altLang="zh-CN" sz="2400" b="1" kern="100" dirty="0">
+              <a:rPr lang="en-US" altLang="zh-CN" sz="2000" b="1" kern="100" dirty="0">
                 <a:solidFill>
                   <a:schemeClr val="bg1"/>
                 </a:solidFill>
@@ -24568,7 +24640,7 @@
               <a:t>【</a:t>
             </a:r>
             <a:r>
-              <a:rPr lang="zh-CN" altLang="en-US" sz="2400" b="1" kern="100" dirty="0">
+              <a:rPr lang="zh-CN" altLang="en-US" sz="2000" b="1" kern="100" dirty="0">
                 <a:solidFill>
                   <a:schemeClr val="bg1"/>
                 </a:solidFill>
@@ -24579,7 +24651,7 @@
               <a:t>东吴银行日报</a:t>
             </a:r>
             <a:r>
-              <a:rPr lang="en-US" altLang="zh-CN" sz="2400" b="1" kern="100" dirty="0">
+              <a:rPr lang="en-US" altLang="zh-CN" sz="2000" b="1" kern="100" dirty="0">
                 <a:solidFill>
                   <a:schemeClr val="bg1"/>
                 </a:solidFill>
@@ -24587,10 +24659,10 @@
                 <a:ea typeface="楷体_GB2312" panose="02010609030101010101"/>
                 <a:cs typeface="Times New Roman" panose="02020603050405020304" pitchFamily="18" charset="0"/>
               </a:rPr>
-              <a:t>】</a:t>
+              <a:t>】1-8</a:t>
             </a:r>
             <a:r>
-              <a:rPr lang="zh-CN" altLang="en-US" sz="2400" b="1" kern="100" dirty="0">
+              <a:rPr lang="zh-CN" altLang="en-US" sz="2000" b="1" kern="100" dirty="0">
                 <a:solidFill>
                   <a:schemeClr val="bg1"/>
                 </a:solidFill>
@@ -24598,7 +24670,7 @@
                 <a:ea typeface="楷体_GB2312" panose="02010609030101010101"/>
                 <a:cs typeface="Times New Roman" panose="02020603050405020304" pitchFamily="18" charset="0"/>
               </a:rPr>
-              <a:t>水晶球请投东吴银行马婷婷团队第一！</a:t>
+              <a:t>月国有企业收入和利润持续较快增长</a:t>
             </a:r>
           </a:p>
         </p:txBody>
@@ -24711,13 +24783,13 @@
           <p:nvPr>
             <p:extLst>
               <p:ext uri="{D42A27DB-BD31-4B8C-83A1-F6EECF244321}">
-                <p14:modId xmlns:p14="http://schemas.microsoft.com/office/powerpoint/2010/main" val="2585216467"/>
+                <p14:modId xmlns:p14="http://schemas.microsoft.com/office/powerpoint/2010/main" val="4019844131"/>
               </p:ext>
             </p:extLst>
           </p:nvPr>
         </p:nvGraphicFramePr>
         <p:xfrm>
-          <a:off x="96541" y="626954"/>
+          <a:off x="286394" y="657225"/>
           <a:ext cx="8648701" cy="2943225"/>
         </p:xfrm>
         <a:graphic>
@@ -24758,7 +24830,7 @@
       </p:grpSpPr>
       <p:graphicFrame>
         <p:nvGraphicFramePr>
-          <p:cNvPr id="3" name="图表 2">
+          <p:cNvPr id="4" name="图表 3">
             <a:extLst>
               <a:ext uri="{FF2B5EF4-FFF2-40B4-BE49-F238E27FC236}">
                 <a16:creationId xmlns:a16="http://schemas.microsoft.com/office/drawing/2014/main" id="{00000000-0008-0000-0300-000004000000}"/>
@@ -24771,13 +24843,13 @@
           <p:nvPr>
             <p:extLst>
               <p:ext uri="{D42A27DB-BD31-4B8C-83A1-F6EECF244321}">
-                <p14:modId xmlns:p14="http://schemas.microsoft.com/office/powerpoint/2010/main" val="2365866981"/>
+                <p14:modId xmlns:p14="http://schemas.microsoft.com/office/powerpoint/2010/main" val="3351555549"/>
               </p:ext>
             </p:extLst>
           </p:nvPr>
         </p:nvGraphicFramePr>
         <p:xfrm>
-          <a:off x="190943" y="123824"/>
+          <a:off x="163821" y="42458"/>
           <a:ext cx="8529638" cy="3352801"/>
         </p:xfrm>
         <a:graphic>
@@ -24828,16 +24900,10 @@
           <p:cNvGraphicFramePr>
             <a:graphicFrameLocks/>
           </p:cNvGraphicFramePr>
-          <p:nvPr>
-            <p:extLst>
-              <p:ext uri="{D42A27DB-BD31-4B8C-83A1-F6EECF244321}">
-                <p14:modId xmlns:p14="http://schemas.microsoft.com/office/powerpoint/2010/main" val="1802574015"/>
-              </p:ext>
-            </p:extLst>
-          </p:nvPr>
+          <p:nvPr/>
         </p:nvGraphicFramePr>
         <p:xfrm>
-          <a:off x="223757" y="230456"/>
+          <a:off x="285750" y="176212"/>
           <a:ext cx="8572500" cy="3248025"/>
         </p:xfrm>
         <a:graphic>
@@ -25227,7 +25293,7 @@
                 <a:latin typeface="Arial" pitchFamily="34" charset="0"/>
                 <a:ea typeface="楷体_GB2312" pitchFamily="49" charset="-122"/>
               </a:rPr>
-              <a:t>上涨</a:t>
+              <a:t>下跌</a:t>
             </a:r>
             <a:r>
               <a:rPr lang="en-US" altLang="zh-CN" sz="1800" dirty="0">
@@ -25237,7 +25303,7 @@
                 <a:latin typeface="Arial" pitchFamily="34" charset="0"/>
                 <a:ea typeface="楷体_GB2312" pitchFamily="49" charset="-122"/>
               </a:rPr>
-              <a:t>0.63%</a:t>
+              <a:t>0.57%</a:t>
             </a:r>
             <a:r>
               <a:rPr lang="zh-CN" altLang="zh-CN" sz="1800" dirty="0">
@@ -25287,7 +25353,7 @@
                 <a:latin typeface="Arial" pitchFamily="34" charset="0"/>
                 <a:ea typeface="楷体_GB2312" pitchFamily="49" charset="-122"/>
               </a:rPr>
-              <a:t>1</a:t>
+              <a:t>27</a:t>
             </a:r>
             <a:r>
               <a:rPr lang="zh-CN" altLang="en-US" sz="1800" dirty="0">
@@ -25327,7 +25393,7 @@
                 <a:latin typeface="Arial" pitchFamily="34" charset="0"/>
                 <a:ea typeface="楷体_GB2312" pitchFamily="49" charset="-122"/>
               </a:rPr>
-              <a:t>指数下跌</a:t>
+              <a:t>指数上涨</a:t>
             </a:r>
             <a:r>
               <a:rPr lang="en-US" altLang="zh-CN" sz="1800" dirty="0">
@@ -25337,7 +25403,7 @@
                 <a:latin typeface="Arial" pitchFamily="34" charset="0"/>
                 <a:ea typeface="楷体_GB2312" pitchFamily="49" charset="-122"/>
               </a:rPr>
-              <a:t>0.12%</a:t>
+              <a:t>0.08%</a:t>
             </a:r>
             <a:r>
               <a:rPr lang="zh-CN" altLang="zh-CN" sz="1800" dirty="0">
@@ -25357,7 +25423,7 @@
                 <a:latin typeface="Arial" pitchFamily="34" charset="0"/>
                 <a:ea typeface="楷体_GB2312" pitchFamily="49" charset="-122"/>
               </a:rPr>
-              <a:t>跑赢</a:t>
+              <a:t>跑输</a:t>
             </a:r>
             <a:r>
               <a:rPr lang="zh-CN" altLang="zh-CN" sz="1800" dirty="0">
@@ -25367,7 +25433,7 @@
                 <a:latin typeface="Arial" pitchFamily="34" charset="0"/>
                 <a:ea typeface="楷体_GB2312" pitchFamily="49" charset="-122"/>
               </a:rPr>
-              <a:t>沪深</a:t>
+              <a:t>深</a:t>
             </a:r>
             <a:r>
               <a:rPr lang="en-US" altLang="zh-CN" sz="1800" dirty="0">
@@ -25397,7 +25463,7 @@
                 <a:latin typeface="Arial" pitchFamily="34" charset="0"/>
                 <a:ea typeface="楷体_GB2312" pitchFamily="49" charset="-122"/>
               </a:rPr>
-              <a:t>0.75</a:t>
+              <a:t>0.65</a:t>
             </a:r>
             <a:r>
               <a:rPr lang="zh-CN" altLang="en-US" sz="1800" dirty="0">
@@ -25429,7 +25495,67 @@
           </a:p>
           <a:p>
             <a:pPr algn="l"/>
-            <a:endParaRPr lang="zh-CN" altLang="en-US" sz="1800" dirty="0">
+            <a:r>
+              <a:rPr lang="en-US" altLang="zh-CN" sz="1800" dirty="0">
+                <a:solidFill>
+                  <a:schemeClr val="tx1"/>
+                </a:solidFill>
+                <a:latin typeface="Arial" pitchFamily="34" charset="0"/>
+                <a:ea typeface="楷体_GB2312" pitchFamily="49" charset="-122"/>
+              </a:rPr>
+              <a:t>【</a:t>
+            </a:r>
+            <a:r>
+              <a:rPr lang="zh-CN" altLang="en-US" sz="1800" dirty="0">
+                <a:solidFill>
+                  <a:schemeClr val="tx1"/>
+                </a:solidFill>
+                <a:latin typeface="Arial" pitchFamily="34" charset="0"/>
+                <a:ea typeface="楷体_GB2312" pitchFamily="49" charset="-122"/>
+              </a:rPr>
+              <a:t>宁波银行</a:t>
+            </a:r>
+            <a:r>
+              <a:rPr lang="en-US" altLang="zh-CN" sz="1800" dirty="0">
+                <a:solidFill>
+                  <a:schemeClr val="tx1"/>
+                </a:solidFill>
+                <a:latin typeface="Arial" pitchFamily="34" charset="0"/>
+                <a:ea typeface="楷体_GB2312" pitchFamily="49" charset="-122"/>
+              </a:rPr>
+              <a:t>】</a:t>
+            </a:r>
+            <a:r>
+              <a:rPr lang="zh-CN" altLang="en-US" sz="1800" dirty="0">
+                <a:solidFill>
+                  <a:schemeClr val="tx1"/>
+                </a:solidFill>
+                <a:latin typeface="Arial" pitchFamily="34" charset="0"/>
+                <a:ea typeface="楷体_GB2312" pitchFamily="49" charset="-122"/>
+              </a:rPr>
+              <a:t>董事会通过公司发行不超过人民币 </a:t>
+            </a:r>
+            <a:r>
+              <a:rPr lang="en-US" altLang="zh-CN" sz="1800" dirty="0">
+                <a:solidFill>
+                  <a:schemeClr val="tx1"/>
+                </a:solidFill>
+                <a:latin typeface="Arial" pitchFamily="34" charset="0"/>
+                <a:ea typeface="楷体_GB2312" pitchFamily="49" charset="-122"/>
+              </a:rPr>
+              <a:t>300 </a:t>
+            </a:r>
+            <a:r>
+              <a:rPr lang="zh-CN" altLang="en-US" sz="1800" dirty="0">
+                <a:solidFill>
+                  <a:schemeClr val="tx1"/>
+                </a:solidFill>
+                <a:latin typeface="Arial" pitchFamily="34" charset="0"/>
+                <a:ea typeface="楷体_GB2312" pitchFamily="49" charset="-122"/>
+              </a:rPr>
+              <a:t>亿元的金融债券预案。</a:t>
+            </a:r>
+            <a:endParaRPr lang="en-US" altLang="zh-CN" sz="1800" dirty="0">
               <a:solidFill>
                 <a:schemeClr val="tx1"/>
               </a:solidFill>
@@ -25439,6 +25565,126 @@
           </a:p>
           <a:p>
             <a:pPr algn="l"/>
+            <a:r>
+              <a:rPr lang="en-US" altLang="zh-CN" sz="1800" dirty="0">
+                <a:solidFill>
+                  <a:schemeClr val="tx1"/>
+                </a:solidFill>
+                <a:latin typeface="Arial" pitchFamily="34" charset="0"/>
+                <a:ea typeface="楷体_GB2312" pitchFamily="49" charset="-122"/>
+              </a:rPr>
+              <a:t>【</a:t>
+            </a:r>
+            <a:r>
+              <a:rPr lang="zh-CN" altLang="en-US" sz="1800" dirty="0">
+                <a:solidFill>
+                  <a:schemeClr val="tx1"/>
+                </a:solidFill>
+                <a:latin typeface="Arial" pitchFamily="34" charset="0"/>
+                <a:ea typeface="楷体_GB2312" pitchFamily="49" charset="-122"/>
+              </a:rPr>
+              <a:t>常熟银行</a:t>
+            </a:r>
+            <a:r>
+              <a:rPr lang="en-US" altLang="zh-CN" sz="1800" dirty="0">
+                <a:solidFill>
+                  <a:schemeClr val="tx1"/>
+                </a:solidFill>
+                <a:latin typeface="Arial" pitchFamily="34" charset="0"/>
+                <a:ea typeface="楷体_GB2312" pitchFamily="49" charset="-122"/>
+              </a:rPr>
+              <a:t>】</a:t>
+            </a:r>
+            <a:r>
+              <a:rPr lang="zh-CN" altLang="en-US" sz="1800" dirty="0">
+                <a:solidFill>
+                  <a:schemeClr val="tx1"/>
+                </a:solidFill>
+                <a:latin typeface="Arial" pitchFamily="34" charset="0"/>
+                <a:ea typeface="楷体_GB2312" pitchFamily="49" charset="-122"/>
+              </a:rPr>
+              <a:t>公司</a:t>
+            </a:r>
+            <a:r>
+              <a:rPr lang="en-US" altLang="zh-CN" sz="1800" dirty="0">
+                <a:solidFill>
+                  <a:schemeClr val="tx1"/>
+                </a:solidFill>
+                <a:latin typeface="Arial" pitchFamily="34" charset="0"/>
+                <a:ea typeface="楷体_GB2312" pitchFamily="49" charset="-122"/>
+              </a:rPr>
+              <a:t>7.65</a:t>
+            </a:r>
+            <a:r>
+              <a:rPr lang="zh-CN" altLang="en-US" sz="1800" dirty="0">
+                <a:solidFill>
+                  <a:schemeClr val="tx1"/>
+                </a:solidFill>
+                <a:latin typeface="Arial" pitchFamily="34" charset="0"/>
+                <a:ea typeface="楷体_GB2312" pitchFamily="49" charset="-122"/>
+              </a:rPr>
+              <a:t>万股限售股将于</a:t>
+            </a:r>
+            <a:r>
+              <a:rPr lang="en-US" altLang="zh-CN" sz="1800" dirty="0">
+                <a:solidFill>
+                  <a:schemeClr val="tx1"/>
+                </a:solidFill>
+                <a:latin typeface="Arial" pitchFamily="34" charset="0"/>
+                <a:ea typeface="楷体_GB2312" pitchFamily="49" charset="-122"/>
+              </a:rPr>
+              <a:t>2017</a:t>
+            </a:r>
+            <a:r>
+              <a:rPr lang="zh-CN" altLang="en-US" sz="1800" dirty="0">
+                <a:solidFill>
+                  <a:schemeClr val="tx1"/>
+                </a:solidFill>
+                <a:latin typeface="Arial" pitchFamily="34" charset="0"/>
+                <a:ea typeface="楷体_GB2312" pitchFamily="49" charset="-122"/>
+              </a:rPr>
+              <a:t>年</a:t>
+            </a:r>
+            <a:r>
+              <a:rPr lang="en-US" altLang="zh-CN" sz="1800" dirty="0">
+                <a:solidFill>
+                  <a:schemeClr val="tx1"/>
+                </a:solidFill>
+                <a:latin typeface="Arial" pitchFamily="34" charset="0"/>
+                <a:ea typeface="楷体_GB2312" pitchFamily="49" charset="-122"/>
+              </a:rPr>
+              <a:t>10</a:t>
+            </a:r>
+            <a:r>
+              <a:rPr lang="zh-CN" altLang="en-US" sz="1800" dirty="0">
+                <a:solidFill>
+                  <a:schemeClr val="tx1"/>
+                </a:solidFill>
+                <a:latin typeface="Arial" pitchFamily="34" charset="0"/>
+                <a:ea typeface="楷体_GB2312" pitchFamily="49" charset="-122"/>
+              </a:rPr>
+              <a:t>月</a:t>
+            </a:r>
+            <a:r>
+              <a:rPr lang="en-US" altLang="zh-CN" sz="1800" dirty="0">
+                <a:solidFill>
+                  <a:schemeClr val="tx1"/>
+                </a:solidFill>
+                <a:latin typeface="Arial" pitchFamily="34" charset="0"/>
+                <a:ea typeface="楷体_GB2312" pitchFamily="49" charset="-122"/>
+              </a:rPr>
+              <a:t>9</a:t>
+            </a:r>
+            <a:r>
+              <a:rPr lang="zh-CN" altLang="en-US" sz="1800" dirty="0">
+                <a:solidFill>
+                  <a:schemeClr val="tx1"/>
+                </a:solidFill>
+                <a:latin typeface="Arial" pitchFamily="34" charset="0"/>
+                <a:ea typeface="楷体_GB2312" pitchFamily="49" charset="-122"/>
+              </a:rPr>
+              <a:t>日上市流通。</a:t>
+            </a:r>
             <a:endParaRPr lang="en-US" altLang="zh-CN" sz="1800" dirty="0">
               <a:solidFill>
                 <a:schemeClr val="tx1"/>
@@ -25826,7 +26072,7 @@
               <a:buAutoNum type="arabicPeriod"/>
             </a:pPr>
             <a:r>
-              <a:rPr lang="zh-CN" altLang="en-US" sz="1600" dirty="0">
+              <a:rPr lang="zh-CN" altLang="en-US" sz="1800" dirty="0">
                 <a:solidFill>
                   <a:schemeClr val="tx1"/>
                 </a:solidFill>
@@ -25836,7 +26082,7 @@
               <a:t>央行今日进行</a:t>
             </a:r>
             <a:r>
-              <a:rPr lang="en-US" altLang="zh-CN" sz="1600" dirty="0">
+              <a:rPr lang="en-US" altLang="zh-CN" sz="1800" dirty="0">
                 <a:solidFill>
                   <a:schemeClr val="tx1"/>
                 </a:solidFill>
@@ -25846,7 +26092,7 @@
               <a:t>400</a:t>
             </a:r>
             <a:r>
-              <a:rPr lang="zh-CN" altLang="en-US" sz="1600" dirty="0">
+              <a:rPr lang="zh-CN" altLang="en-US" sz="1800" dirty="0">
                 <a:solidFill>
                   <a:schemeClr val="tx1"/>
                 </a:solidFill>
@@ -25856,17 +26102,17 @@
               <a:t>亿</a:t>
             </a:r>
             <a:r>
-              <a:rPr lang="en-US" altLang="zh-CN" sz="1600" dirty="0">
+              <a:rPr lang="en-US" altLang="zh-CN" sz="1800" dirty="0">
                 <a:solidFill>
                   <a:schemeClr val="tx1"/>
                 </a:solidFill>
                 <a:latin typeface="Arial" pitchFamily="34" charset="0"/>
                 <a:ea typeface="楷体_GB2312" pitchFamily="49" charset="-122"/>
               </a:rPr>
-              <a:t>7</a:t>
+              <a:t>14</a:t>
             </a:r>
             <a:r>
-              <a:rPr lang="zh-CN" altLang="en-US" sz="1600" dirty="0">
+              <a:rPr lang="zh-CN" altLang="en-US" sz="1800" dirty="0">
                 <a:solidFill>
                   <a:schemeClr val="tx1"/>
                 </a:solidFill>
@@ -25876,17 +26122,17 @@
               <a:t>天、</a:t>
             </a:r>
             <a:r>
-              <a:rPr lang="en-US" altLang="zh-CN" sz="1600" dirty="0">
+              <a:rPr lang="en-US" altLang="zh-CN" sz="1800" dirty="0">
                 <a:solidFill>
                   <a:schemeClr val="tx1"/>
                 </a:solidFill>
                 <a:latin typeface="Arial" pitchFamily="34" charset="0"/>
                 <a:ea typeface="楷体_GB2312" pitchFamily="49" charset="-122"/>
               </a:rPr>
-              <a:t>200</a:t>
+              <a:t>100</a:t>
             </a:r>
             <a:r>
-              <a:rPr lang="zh-CN" altLang="en-US" sz="1600" dirty="0">
+              <a:rPr lang="zh-CN" altLang="en-US" sz="1800" dirty="0">
                 <a:solidFill>
                   <a:schemeClr val="tx1"/>
                 </a:solidFill>
@@ -25896,7 +26142,7 @@
               <a:t>亿</a:t>
             </a:r>
             <a:r>
-              <a:rPr lang="en-US" altLang="zh-CN" sz="1600" dirty="0">
+              <a:rPr lang="en-US" altLang="zh-CN" sz="1800" dirty="0">
                 <a:solidFill>
                   <a:schemeClr val="tx1"/>
                 </a:solidFill>
@@ -25906,7 +26152,7 @@
               <a:t>28</a:t>
             </a:r>
             <a:r>
-              <a:rPr lang="zh-CN" altLang="en-US" sz="1600" dirty="0">
+              <a:rPr lang="zh-CN" altLang="en-US" sz="1800" dirty="0">
                 <a:solidFill>
                   <a:schemeClr val="tx1"/>
                 </a:solidFill>
@@ -25916,26 +26162,151 @@
               <a:t>天期逆回购操作，当日有</a:t>
             </a:r>
             <a:r>
-              <a:rPr lang="en-US" altLang="zh-CN" sz="1600" dirty="0">
+              <a:rPr lang="en-US" altLang="zh-CN" sz="1800" dirty="0">
                 <a:solidFill>
                   <a:schemeClr val="tx1"/>
                 </a:solidFill>
                 <a:latin typeface="Arial" pitchFamily="34" charset="0"/>
                 <a:ea typeface="楷体_GB2312" pitchFamily="49" charset="-122"/>
               </a:rPr>
-              <a:t>600</a:t>
+              <a:t>1300</a:t>
             </a:r>
             <a:r>
-              <a:rPr lang="zh-CN" altLang="en-US" sz="1600" dirty="0">
+              <a:rPr lang="zh-CN" altLang="en-US" sz="1800" dirty="0">
                 <a:solidFill>
                   <a:schemeClr val="tx1"/>
                 </a:solidFill>
                 <a:latin typeface="Arial" pitchFamily="34" charset="0"/>
                 <a:ea typeface="楷体_GB2312" pitchFamily="49" charset="-122"/>
               </a:rPr>
-              <a:t>亿逆回购到期，完全对冲到期资金规模。（新闻来源：中国人民银行）</a:t>
+              <a:t>亿逆回购到期，单日净回笼</a:t>
             </a:r>
-            <a:endParaRPr lang="en-US" altLang="zh-CN" sz="1600" dirty="0">
+            <a:r>
+              <a:rPr lang="en-US" altLang="zh-CN" sz="1800" dirty="0">
+                <a:solidFill>
+                  <a:schemeClr val="tx1"/>
+                </a:solidFill>
+                <a:latin typeface="Arial" pitchFamily="34" charset="0"/>
+                <a:ea typeface="楷体_GB2312" pitchFamily="49" charset="-122"/>
+              </a:rPr>
+              <a:t>800</a:t>
+            </a:r>
+            <a:r>
+              <a:rPr lang="zh-CN" altLang="en-US" sz="1800" dirty="0">
+                <a:solidFill>
+                  <a:schemeClr val="tx1"/>
+                </a:solidFill>
+                <a:latin typeface="Arial" pitchFamily="34" charset="0"/>
+                <a:ea typeface="楷体_GB2312" pitchFamily="49" charset="-122"/>
+              </a:rPr>
+              <a:t>亿。（新闻来源：中国人民银行）</a:t>
+            </a:r>
+          </a:p>
+          <a:p>
+            <a:pPr marL="342900" indent="-342900" algn="just">
+              <a:buAutoNum type="arabicPeriod"/>
+            </a:pPr>
+            <a:r>
+              <a:rPr lang="en-US" altLang="zh-CN" sz="1800" dirty="0">
+                <a:solidFill>
+                  <a:schemeClr val="tx1"/>
+                </a:solidFill>
+                <a:latin typeface="Arial" pitchFamily="34" charset="0"/>
+                <a:ea typeface="楷体_GB2312" pitchFamily="49" charset="-122"/>
+              </a:rPr>
+              <a:t>1-8</a:t>
+            </a:r>
+            <a:r>
+              <a:rPr lang="zh-CN" altLang="en-US" sz="1800" dirty="0">
+                <a:solidFill>
+                  <a:schemeClr val="tx1"/>
+                </a:solidFill>
+                <a:latin typeface="Arial" pitchFamily="34" charset="0"/>
+                <a:ea typeface="楷体_GB2312" pitchFamily="49" charset="-122"/>
+              </a:rPr>
+              <a:t>月，国有企业营业总收入</a:t>
+            </a:r>
+            <a:r>
+              <a:rPr lang="en-US" altLang="zh-CN" sz="1800" dirty="0">
+                <a:solidFill>
+                  <a:schemeClr val="tx1"/>
+                </a:solidFill>
+                <a:latin typeface="Arial" pitchFamily="34" charset="0"/>
+                <a:ea typeface="楷体_GB2312" pitchFamily="49" charset="-122"/>
+              </a:rPr>
+              <a:t>33.1</a:t>
+            </a:r>
+            <a:r>
+              <a:rPr lang="zh-CN" altLang="en-US" sz="1800" dirty="0">
+                <a:solidFill>
+                  <a:schemeClr val="tx1"/>
+                </a:solidFill>
+                <a:latin typeface="Arial" pitchFamily="34" charset="0"/>
+                <a:ea typeface="楷体_GB2312" pitchFamily="49" charset="-122"/>
+              </a:rPr>
+              <a:t>万亿元，同比增长</a:t>
+            </a:r>
+            <a:r>
+              <a:rPr lang="en-US" altLang="zh-CN" sz="1800" dirty="0">
+                <a:solidFill>
+                  <a:schemeClr val="tx1"/>
+                </a:solidFill>
+                <a:latin typeface="Arial" pitchFamily="34" charset="0"/>
+                <a:ea typeface="楷体_GB2312" pitchFamily="49" charset="-122"/>
+              </a:rPr>
+              <a:t>15.5%</a:t>
+            </a:r>
+            <a:r>
+              <a:rPr lang="zh-CN" altLang="en-US" sz="1800" dirty="0">
+                <a:solidFill>
+                  <a:schemeClr val="tx1"/>
+                </a:solidFill>
+                <a:latin typeface="Arial" pitchFamily="34" charset="0"/>
+                <a:ea typeface="楷体_GB2312" pitchFamily="49" charset="-122"/>
+              </a:rPr>
+              <a:t>，营业利润总额</a:t>
+            </a:r>
+            <a:r>
+              <a:rPr lang="en-US" altLang="zh-CN" sz="1800" dirty="0">
+                <a:solidFill>
+                  <a:schemeClr val="tx1"/>
+                </a:solidFill>
+                <a:latin typeface="Arial" pitchFamily="34" charset="0"/>
+                <a:ea typeface="楷体_GB2312" pitchFamily="49" charset="-122"/>
+              </a:rPr>
+              <a:t>1.9</a:t>
+            </a:r>
+            <a:r>
+              <a:rPr lang="zh-CN" altLang="en-US" sz="1800" dirty="0">
+                <a:solidFill>
+                  <a:schemeClr val="tx1"/>
+                </a:solidFill>
+                <a:latin typeface="Arial" pitchFamily="34" charset="0"/>
+                <a:ea typeface="楷体_GB2312" pitchFamily="49" charset="-122"/>
+              </a:rPr>
+              <a:t>万亿元，同比增长</a:t>
+            </a:r>
+            <a:r>
+              <a:rPr lang="en-US" altLang="zh-CN" sz="1800" dirty="0">
+                <a:solidFill>
+                  <a:schemeClr val="tx1"/>
+                </a:solidFill>
+                <a:latin typeface="Arial" pitchFamily="34" charset="0"/>
+                <a:ea typeface="楷体_GB2312" pitchFamily="49" charset="-122"/>
+              </a:rPr>
+              <a:t>21.7%</a:t>
+            </a:r>
+            <a:r>
+              <a:rPr lang="zh-CN" altLang="en-US" sz="1800" dirty="0">
+                <a:solidFill>
+                  <a:schemeClr val="tx1"/>
+                </a:solidFill>
+                <a:latin typeface="Arial" pitchFamily="34" charset="0"/>
+                <a:ea typeface="楷体_GB2312" pitchFamily="49" charset="-122"/>
+              </a:rPr>
+              <a:t>；钢铁、有色等上年同期亏损行业持续盈利；煤炭、石油石化、交通等行业实现利润同比增幅较大；电力等行业实现利润同比降幅较大。（新闻来源：财政部）</a:t>
+            </a:r>
+            <a:endParaRPr lang="en-US" altLang="zh-CN" sz="1800" dirty="0">
               <a:solidFill>
                 <a:schemeClr val="tx1"/>
               </a:solidFill>
@@ -25948,71 +26319,20 @@
               <a:buAutoNum type="arabicPeriod"/>
             </a:pPr>
             <a:r>
-              <a:rPr lang="zh-CN" altLang="en-US" sz="1600" dirty="0">
+              <a:rPr lang="zh-CN" altLang="en-US" sz="1800" dirty="0">
                 <a:solidFill>
                   <a:schemeClr val="tx1"/>
                 </a:solidFill>
                 <a:latin typeface="Arial" pitchFamily="34" charset="0"/>
                 <a:ea typeface="楷体_GB2312" pitchFamily="49" charset="-122"/>
               </a:rPr>
-              <a:t>央行研究局局长徐忠称，市场应在普惠金融发挥主导作用，中国推出了优惠政策，助推普惠金融，但无论是普惠理念还是数字技术，都不会改变金融的本质，引入数字技术或导致金融系统性风险更易放大。（新闻来源：经济日报）</a:t>
+              <a:t>中国银行业协会专职副会长潘光伟指出，标普基于“亲周期”评级方法下调中国评级是简单片面的；中国债务偿付能力总体较强，去杠杆办法和手段较多。（新闻来源：中国银行业协会）</a:t>
             </a:r>
-            <a:endParaRPr lang="en-US" altLang="zh-CN" sz="1600" dirty="0">
-              <a:solidFill>
-                <a:schemeClr val="tx1"/>
-              </a:solidFill>
-              <a:latin typeface="Arial" pitchFamily="34" charset="0"/>
-              <a:ea typeface="楷体_GB2312" pitchFamily="49" charset="-122"/>
-            </a:endParaRPr>
-          </a:p>
-          <a:p>
-            <a:pPr marL="342900" indent="-342900" algn="just">
-              <a:buAutoNum type="arabicPeriod"/>
-            </a:pPr>
-            <a:r>
-              <a:rPr lang="zh-CN" altLang="en-US" sz="1600" dirty="0">
-                <a:solidFill>
-                  <a:schemeClr val="tx1"/>
-                </a:solidFill>
-                <a:latin typeface="Arial" pitchFamily="34" charset="0"/>
-                <a:ea typeface="楷体_GB2312" pitchFamily="49" charset="-122"/>
-              </a:rPr>
-              <a:t>知情人士称，中国央行会同银监会近期要求各地监管部门，指导银行规范个人消费贷款，防止消费贷款违规流入房地产市场。中国央行的要求重点针对一线和热点房地产城市。（新闻来源：彭博社）</a:t>
-            </a:r>
-            <a:endParaRPr lang="en-US" altLang="zh-CN" sz="1600" dirty="0">
-              <a:solidFill>
-                <a:schemeClr val="tx1"/>
-              </a:solidFill>
-              <a:latin typeface="Arial" pitchFamily="34" charset="0"/>
-              <a:ea typeface="楷体_GB2312" pitchFamily="49" charset="-122"/>
-            </a:endParaRPr>
-          </a:p>
-          <a:p>
-            <a:pPr marL="342900" indent="-342900" algn="just">
-              <a:buAutoNum type="arabicPeriod"/>
-            </a:pPr>
-            <a:r>
-              <a:rPr lang="zh-CN" altLang="en-US" sz="1600" dirty="0">
-                <a:solidFill>
-                  <a:schemeClr val="tx1"/>
-                </a:solidFill>
-                <a:latin typeface="Arial" pitchFamily="34" charset="0"/>
-                <a:ea typeface="楷体_GB2312" pitchFamily="49" charset="-122"/>
-              </a:rPr>
-              <a:t>复星国际回应卖出民生银行股票称，该大宗交易系二级市场投资有买有卖的正常行为，复星仍然会关注银行板块的价值投资机会。（新闻来源：腾讯财经）</a:t>
-            </a:r>
-            <a:endParaRPr lang="en-US" altLang="zh-CN" sz="1600" dirty="0">
-              <a:solidFill>
-                <a:schemeClr val="tx1"/>
-              </a:solidFill>
-              <a:latin typeface="Arial" pitchFamily="34" charset="0"/>
-              <a:ea typeface="楷体_GB2312" pitchFamily="49" charset="-122"/>
-            </a:endParaRPr>
           </a:p>
           <a:p>
             <a:pPr algn="r"/>
             <a:r>
-              <a:rPr lang="zh-CN" altLang="en-US" sz="1600" dirty="0">
+              <a:rPr lang="zh-CN" altLang="en-US" sz="1800" dirty="0">
                 <a:solidFill>
                   <a:schemeClr val="tx1"/>
                 </a:solidFill>
@@ -26023,7 +26343,7 @@
               <a:t>联系人：马婷婷</a:t>
             </a:r>
             <a:r>
-              <a:rPr lang="en-US" altLang="zh-CN" sz="1600" dirty="0">
+              <a:rPr lang="en-US" altLang="zh-CN" sz="1800" dirty="0">
                 <a:solidFill>
                   <a:schemeClr val="tx1"/>
                 </a:solidFill>
@@ -26034,7 +26354,7 @@
               <a:t>/</a:t>
             </a:r>
             <a:r>
-              <a:rPr lang="zh-CN" altLang="en-US" sz="1600" dirty="0">
+              <a:rPr lang="zh-CN" altLang="en-US" sz="1800" dirty="0">
                 <a:solidFill>
                   <a:schemeClr val="tx1"/>
                 </a:solidFill>
@@ -26044,7 +26364,7 @@
               </a:rPr>
               <a:t>蒋江松媛</a:t>
             </a:r>
-            <a:endParaRPr lang="en-US" altLang="zh-CN" sz="1600" dirty="0">
+            <a:endParaRPr lang="en-US" altLang="zh-CN" sz="1800" dirty="0">
               <a:solidFill>
                 <a:schemeClr val="tx1"/>
               </a:solidFill>

--- a/日报/日报PPT底稿.pptx
+++ b/日报/日报PPT底稿.pptx
@@ -236,10 +236,10 @@
           </c:marker>
           <c:cat>
             <c:numRef>
-              <c:f>隔夜拆借率!$A$3:$A$437</c:f>
+              <c:f>隔夜拆借率!$A$3:$A$438</c:f>
               <c:numCache>
                 <c:formatCode>yyyy\-mm\-dd;@</c:formatCode>
-                <c:ptCount val="435"/>
+                <c:ptCount val="436"/>
                 <c:pt idx="0">
                   <c:v>42373</c:v>
                 </c:pt>
@@ -1544,16 +1544,19 @@
                 </c:pt>
                 <c:pt idx="434">
                   <c:v>43004</c:v>
+                </c:pt>
+                <c:pt idx="435">
+                  <c:v>43005</c:v>
                 </c:pt>
               </c:numCache>
             </c:numRef>
           </c:cat>
           <c:val>
             <c:numRef>
-              <c:f>隔夜拆借率!$B$3:$B$437</c:f>
+              <c:f>隔夜拆借率!$B$3:$B$438</c:f>
               <c:numCache>
                 <c:formatCode>0.00%</c:formatCode>
-                <c:ptCount val="435"/>
+                <c:ptCount val="436"/>
                 <c:pt idx="0">
                   <c:v>1.9950000000000002E-2</c:v>
                 </c:pt>
@@ -2858,6 +2861,9 @@
                 </c:pt>
                 <c:pt idx="434">
                   <c:v>2.8370000000000003E-2</c:v>
+                </c:pt>
+                <c:pt idx="435">
+                  <c:v>2.8629999999999999E-2</c:v>
                 </c:pt>
               </c:numCache>
             </c:numRef>
@@ -2865,7 +2871,7 @@
           <c:smooth val="0"/>
           <c:extLst>
             <c:ext xmlns:c16="http://schemas.microsoft.com/office/drawing/2014/chart" uri="{C3380CC4-5D6E-409C-BE32-E72D297353CC}">
-              <c16:uniqueId val="{00000000-0F4C-4E31-A6F8-FB0AFD911A4D}"/>
+              <c16:uniqueId val="{00000000-1775-4429-A992-6A1E74D79767}"/>
             </c:ext>
           </c:extLst>
         </c:ser>
@@ -2888,10 +2894,10 @@
           </c:marker>
           <c:cat>
             <c:numRef>
-              <c:f>隔夜拆借率!$A$3:$A$437</c:f>
+              <c:f>隔夜拆借率!$A$3:$A$438</c:f>
               <c:numCache>
                 <c:formatCode>yyyy\-mm\-dd;@</c:formatCode>
-                <c:ptCount val="435"/>
+                <c:ptCount val="436"/>
                 <c:pt idx="0">
                   <c:v>42373</c:v>
                 </c:pt>
@@ -4196,16 +4202,19 @@
                 </c:pt>
                 <c:pt idx="434">
                   <c:v>43004</c:v>
+                </c:pt>
+                <c:pt idx="435">
+                  <c:v>43005</c:v>
                 </c:pt>
               </c:numCache>
             </c:numRef>
           </c:cat>
           <c:val>
             <c:numRef>
-              <c:f>隔夜拆借率!$C$3:$C$437</c:f>
+              <c:f>隔夜拆借率!$C$3:$C$438</c:f>
               <c:numCache>
                 <c:formatCode>0.00%</c:formatCode>
-                <c:ptCount val="435"/>
+                <c:ptCount val="436"/>
                 <c:pt idx="0">
                   <c:v>2.3349999999999999E-2</c:v>
                 </c:pt>
@@ -5510,6 +5519,9 @@
                 </c:pt>
                 <c:pt idx="434">
                   <c:v>2.9291000000000001E-2</c:v>
+                </c:pt>
+                <c:pt idx="435">
+                  <c:v>2.9493999999999999E-2</c:v>
                 </c:pt>
               </c:numCache>
             </c:numRef>
@@ -5517,7 +5529,7 @@
           <c:smooth val="0"/>
           <c:extLst>
             <c:ext xmlns:c16="http://schemas.microsoft.com/office/drawing/2014/chart" uri="{C3380CC4-5D6E-409C-BE32-E72D297353CC}">
-              <c16:uniqueId val="{00000001-0F4C-4E31-A6F8-FB0AFD911A4D}"/>
+              <c16:uniqueId val="{00000001-1775-4429-A992-6A1E74D79767}"/>
             </c:ext>
           </c:extLst>
         </c:ser>
@@ -5784,10 +5796,10 @@
           </c:marker>
           <c:cat>
             <c:numRef>
-              <c:f>同业存单!$A$2:$A$433</c:f>
+              <c:f>同业存单!$A$2:$A$437</c:f>
               <c:numCache>
                 <c:formatCode>yyyy\-mm\-dd;@</c:formatCode>
-                <c:ptCount val="432"/>
+                <c:ptCount val="436"/>
                 <c:pt idx="0">
                   <c:v>42374</c:v>
                 </c:pt>
@@ -7083,16 +7095,28 @@
                 </c:pt>
                 <c:pt idx="431">
                   <c:v>43000</c:v>
+                </c:pt>
+                <c:pt idx="432">
+                  <c:v>43003</c:v>
+                </c:pt>
+                <c:pt idx="433">
+                  <c:v>43004</c:v>
+                </c:pt>
+                <c:pt idx="434">
+                  <c:v>43005</c:v>
+                </c:pt>
+                <c:pt idx="435">
+                  <c:v>43006</c:v>
                 </c:pt>
               </c:numCache>
             </c:numRef>
           </c:cat>
           <c:val>
             <c:numRef>
-              <c:f>同业存单!$B$2:$B$433</c:f>
+              <c:f>同业存单!$B$2:$B$437</c:f>
               <c:numCache>
                 <c:formatCode>0.00%</c:formatCode>
-                <c:ptCount val="432"/>
+                <c:ptCount val="436"/>
                 <c:pt idx="0">
                   <c:v>2.7999999999999997E-2</c:v>
                 </c:pt>
@@ -8375,7 +8399,7 @@
                   <c:v>4.5210999999999994E-2</c:v>
                 </c:pt>
                 <c:pt idx="427">
-                  <c:v>4.5124000000000004E-2</c:v>
+                  <c:v>4.4842000000000007E-2</c:v>
                 </c:pt>
                 <c:pt idx="428">
                   <c:v>4.4458999999999999E-2</c:v>
@@ -8388,6 +8412,18 @@
                 </c:pt>
                 <c:pt idx="431">
                   <c:v>4.5894000000000004E-2</c:v>
+                </c:pt>
+                <c:pt idx="432">
+                  <c:v>4.5101000000000002E-2</c:v>
+                </c:pt>
+                <c:pt idx="433">
+                  <c:v>4.5983999999999997E-2</c:v>
+                </c:pt>
+                <c:pt idx="434">
+                  <c:v>4.5746000000000002E-2</c:v>
+                </c:pt>
+                <c:pt idx="435">
+                  <c:v>4.7916E-2</c:v>
                 </c:pt>
               </c:numCache>
             </c:numRef>
@@ -8395,7 +8431,7 @@
           <c:smooth val="0"/>
           <c:extLst>
             <c:ext xmlns:c16="http://schemas.microsoft.com/office/drawing/2014/chart" uri="{C3380CC4-5D6E-409C-BE32-E72D297353CC}">
-              <c16:uniqueId val="{00000000-853A-4DD4-9780-AAFB9CC5F42E}"/>
+              <c16:uniqueId val="{00000000-EA22-4352-9BF8-CDF40F45E417}"/>
             </c:ext>
           </c:extLst>
         </c:ser>
@@ -8418,10 +8454,10 @@
           </c:marker>
           <c:cat>
             <c:numRef>
-              <c:f>同业存单!$A$2:$A$433</c:f>
+              <c:f>同业存单!$A$2:$A$437</c:f>
               <c:numCache>
                 <c:formatCode>yyyy\-mm\-dd;@</c:formatCode>
-                <c:ptCount val="432"/>
+                <c:ptCount val="436"/>
                 <c:pt idx="0">
                   <c:v>42374</c:v>
                 </c:pt>
@@ -9717,16 +9753,28 @@
                 </c:pt>
                 <c:pt idx="431">
                   <c:v>43000</c:v>
+                </c:pt>
+                <c:pt idx="432">
+                  <c:v>43003</c:v>
+                </c:pt>
+                <c:pt idx="433">
+                  <c:v>43004</c:v>
+                </c:pt>
+                <c:pt idx="434">
+                  <c:v>43005</c:v>
+                </c:pt>
+                <c:pt idx="435">
+                  <c:v>43006</c:v>
                 </c:pt>
               </c:numCache>
             </c:numRef>
           </c:cat>
           <c:val>
             <c:numRef>
-              <c:f>同业存单!$C$2:$C$433</c:f>
+              <c:f>同业存单!$C$2:$C$437</c:f>
               <c:numCache>
                 <c:formatCode>0.00%</c:formatCode>
-                <c:ptCount val="432"/>
+                <c:ptCount val="436"/>
                 <c:pt idx="0">
                   <c:v>3.1114000000000003E-2</c:v>
                 </c:pt>
@@ -11009,7 +11057,7 @@
                   <c:v>4.4191000000000001E-2</c:v>
                 </c:pt>
                 <c:pt idx="427">
-                  <c:v>4.4352000000000003E-2</c:v>
+                  <c:v>4.4249999999999998E-2</c:v>
                 </c:pt>
                 <c:pt idx="428">
                   <c:v>4.4436000000000003E-2</c:v>
@@ -11022,6 +11070,18 @@
                 </c:pt>
                 <c:pt idx="431">
                   <c:v>4.4592E-2</c:v>
+                </c:pt>
+                <c:pt idx="432">
+                  <c:v>4.4305000000000004E-2</c:v>
+                </c:pt>
+                <c:pt idx="433">
+                  <c:v>4.4299999999999999E-2</c:v>
+                </c:pt>
+                <c:pt idx="434">
+                  <c:v>4.5175E-2</c:v>
+                </c:pt>
+                <c:pt idx="435">
+                  <c:v>4.9000000000000002E-2</c:v>
                 </c:pt>
               </c:numCache>
             </c:numRef>
@@ -11029,7 +11089,7 @@
           <c:smooth val="0"/>
           <c:extLst>
             <c:ext xmlns:c16="http://schemas.microsoft.com/office/drawing/2014/chart" uri="{C3380CC4-5D6E-409C-BE32-E72D297353CC}">
-              <c16:uniqueId val="{00000001-853A-4DD4-9780-AAFB9CC5F42E}"/>
+              <c16:uniqueId val="{00000001-EA22-4352-9BF8-CDF40F45E417}"/>
             </c:ext>
           </c:extLst>
         </c:ser>
@@ -11157,8 +11217,8 @@
         <c:manualLayout>
           <c:xMode val="edge"/>
           <c:yMode val="edge"/>
-          <c:x val="0.43545939464253935"/>
-          <c:y val="0.11142057044244501"/>
+          <c:x val="0.43397046861777722"/>
+          <c:y val="0.10763269278433168"/>
           <c:w val="0.11111105502838496"/>
           <c:h val="0.14722222222222348"/>
         </c:manualLayout>
@@ -16898,7 +16958,7 @@
             <a:fld id="{ED62FF87-B599-48C5-BB22-B0B305D7BDE7}" type="datetimeFigureOut">
               <a:rPr lang="zh-CN" altLang="en-US" smtClean="0"/>
               <a:pPr/>
-              <a:t>2017/9/26</a:t>
+              <a:t>2017/9/27</a:t>
             </a:fld>
             <a:endParaRPr lang="zh-CN" altLang="en-US"/>
           </a:p>
@@ -17065,7 +17125,7 @@
             <a:fld id="{6CEF6153-3878-444A-B180-CA5666EAB5DB}" type="datetimeFigureOut">
               <a:rPr lang="zh-CN" altLang="en-US" smtClean="0"/>
               <a:pPr/>
-              <a:t>2017/9/26</a:t>
+              <a:t>2017/9/27</a:t>
             </a:fld>
             <a:endParaRPr lang="zh-CN" altLang="en-US"/>
           </a:p>
@@ -17526,7 +17586,7 @@
             <a:fld id="{216C5678-EE20-4FA5-88E2-6E0BD67A2E26}" type="datetime1">
               <a:rPr lang="en-US" smtClean="0"/>
               <a:pPr/>
-              <a:t>9/26/2017</a:t>
+              <a:t>9/27/2017</a:t>
             </a:fld>
             <a:endParaRPr lang="en-US" dirty="0"/>
           </a:p>
@@ -17697,7 +17757,7 @@
             <a:fld id="{EA051B39-B140-43FE-96DB-472A2B59CE7C}" type="datetime1">
               <a:rPr lang="en-US" smtClean="0"/>
               <a:pPr/>
-              <a:t>9/26/2017</a:t>
+              <a:t>9/27/2017</a:t>
             </a:fld>
             <a:endParaRPr lang="en-US"/>
           </a:p>
@@ -17878,7 +17938,7 @@
             <a:fld id="{DA600BB2-27C5-458B-ABCE-839C88CF47CE}" type="datetime1">
               <a:rPr lang="en-US" smtClean="0"/>
               <a:pPr/>
-              <a:t>9/26/2017</a:t>
+              <a:t>9/27/2017</a:t>
             </a:fld>
             <a:endParaRPr lang="en-US"/>
           </a:p>
@@ -17972,7 +18032,7 @@
           <a:graphicData uri="http://schemas.openxmlformats.org/presentationml/2006/ole">
             <mc:AlternateContent xmlns:mc="http://schemas.openxmlformats.org/markup-compatibility/2006">
               <mc:Choice xmlns:v="urn:schemas-microsoft-com:vml" Requires="v">
-                <p:oleObj spid="_x0000_s2503" name="Image" r:id="rId3" imgW="5663492" imgH="3326984" progId="">
+                <p:oleObj spid="_x0000_s2505" name="Image" r:id="rId3" imgW="5663492" imgH="3326984" progId="">
                   <p:embed/>
                 </p:oleObj>
               </mc:Choice>
@@ -18289,7 +18349,7 @@
           <a:graphicData uri="http://schemas.openxmlformats.org/presentationml/2006/ole">
             <mc:AlternateContent xmlns:mc="http://schemas.openxmlformats.org/markup-compatibility/2006">
               <mc:Choice xmlns:v="urn:schemas-microsoft-com:vml" Requires="v">
-                <p:oleObj spid="_x0000_s3527" name="Image" r:id="rId3" imgW="5663492" imgH="3326984" progId="">
+                <p:oleObj spid="_x0000_s3529" name="Image" r:id="rId3" imgW="5663492" imgH="3326984" progId="">
                   <p:embed/>
                 </p:oleObj>
               </mc:Choice>
@@ -18858,7 +18918,7 @@
           <a:graphicData uri="http://schemas.openxmlformats.org/presentationml/2006/ole">
             <mc:AlternateContent xmlns:mc="http://schemas.openxmlformats.org/markup-compatibility/2006">
               <mc:Choice xmlns:v="urn:schemas-microsoft-com:vml" Requires="v">
-                <p:oleObj spid="_x0000_s4551" name="Image" r:id="rId3" imgW="5663492" imgH="3326984" progId="">
+                <p:oleObj spid="_x0000_s4553" name="Image" r:id="rId3" imgW="5663492" imgH="3326984" progId="">
                   <p:embed/>
                 </p:oleObj>
               </mc:Choice>
@@ -19970,7 +20030,7 @@
             <a:fld id="{B11D738E-8962-435F-8C43-147B8DD7E819}" type="datetime1">
               <a:rPr lang="en-US" smtClean="0"/>
               <a:pPr/>
-              <a:t>9/26/2017</a:t>
+              <a:t>9/27/2017</a:t>
             </a:fld>
             <a:endParaRPr lang="en-US"/>
           </a:p>
@@ -21403,7 +21463,7 @@
             <a:fld id="{09CAEA93-55E7-4DA9-90C2-089A26EEFEC4}" type="datetime1">
               <a:rPr lang="en-US" smtClean="0"/>
               <a:pPr/>
-              <a:t>9/26/2017</a:t>
+              <a:t>9/27/2017</a:t>
             </a:fld>
             <a:endParaRPr lang="en-US"/>
           </a:p>
@@ -21757,7 +21817,7 @@
             <a:fld id="{E34CF3C7-6809-4F39-BD67-A75817BDDE0A}" type="datetime1">
               <a:rPr lang="en-US" smtClean="0"/>
               <a:pPr/>
-              <a:t>9/26/2017</a:t>
+              <a:t>9/27/2017</a:t>
             </a:fld>
             <a:endParaRPr lang="en-US"/>
           </a:p>
@@ -22071,7 +22131,7 @@
             <a:fld id="{F7EAEB24-CE78-465C-A726-91D0868FA48F}" type="datetime1">
               <a:rPr lang="en-US" smtClean="0"/>
               <a:pPr/>
-              <a:t>9/26/2017</a:t>
+              <a:t>9/27/2017</a:t>
             </a:fld>
             <a:endParaRPr lang="en-US"/>
           </a:p>
@@ -22304,7 +22364,7 @@
             <a:fld id="{40BAADF0-1749-4E8B-9691-B44A5F8C0895}" type="datetime1">
               <a:rPr lang="en-US" smtClean="0"/>
               <a:pPr/>
-              <a:t>9/26/2017</a:t>
+              <a:t>9/27/2017</a:t>
             </a:fld>
             <a:endParaRPr lang="en-US"/>
           </a:p>
@@ -22400,7 +22460,7 @@
             <a:fld id="{A8AF628A-A867-4937-BBE5-207DB6F9C51A}" type="datetime1">
               <a:rPr lang="en-US" smtClean="0"/>
               <a:pPr/>
-              <a:t>9/26/2017</a:t>
+              <a:t>9/27/2017</a:t>
             </a:fld>
             <a:endParaRPr lang="en-US"/>
           </a:p>
@@ -22694,7 +22754,7 @@
             <a:fld id="{118BBB94-68E6-4675-A946-F1C5994EDBD7}" type="datetime1">
               <a:rPr lang="en-US" smtClean="0"/>
               <a:pPr/>
-              <a:t>9/26/2017</a:t>
+              <a:t>9/27/2017</a:t>
             </a:fld>
             <a:endParaRPr lang="en-US"/>
           </a:p>
@@ -22969,7 +23029,7 @@
             <a:fld id="{DC3B8377-21E3-4835-B75D-4E2847E2750F}" type="datetime1">
               <a:rPr lang="en-US" smtClean="0"/>
               <a:pPr/>
-              <a:t>9/26/2017</a:t>
+              <a:t>9/27/2017</a:t>
             </a:fld>
             <a:endParaRPr lang="en-US"/>
           </a:p>
@@ -23221,7 +23281,7 @@
             <a:fld id="{B0C4986D-6BE9-4264-908F-02DB36FD8D6C}" type="datetime1">
               <a:rPr lang="en-US" smtClean="0"/>
               <a:pPr/>
-              <a:t>9/26/2017</a:t>
+              <a:t>9/27/2017</a:t>
             </a:fld>
             <a:endParaRPr lang="en-US" dirty="0"/>
           </a:p>
@@ -23802,7 +23862,7 @@
           <a:graphicData uri="http://schemas.openxmlformats.org/presentationml/2006/ole">
             <mc:AlternateContent xmlns:mc="http://schemas.openxmlformats.org/markup-compatibility/2006">
               <mc:Choice xmlns:v="urn:schemas-microsoft-com:vml" Requires="v">
-                <p:oleObj spid="_x0000_s1479" name="Image" r:id="rId18" imgW="5663492" imgH="3326984" progId="">
+                <p:oleObj spid="_x0000_s1481" name="Image" r:id="rId18" imgW="5663492" imgH="3326984" progId="">
                   <p:embed/>
                 </p:oleObj>
               </mc:Choice>
@@ -24770,7 +24830,7 @@
       </p:sp>
       <p:graphicFrame>
         <p:nvGraphicFramePr>
-          <p:cNvPr id="7" name="图表 6">
+          <p:cNvPr id="6" name="图表 5">
             <a:extLst>
               <a:ext uri="{FF2B5EF4-FFF2-40B4-BE49-F238E27FC236}">
                 <a16:creationId xmlns:a16="http://schemas.microsoft.com/office/drawing/2014/main" id="{00000000-0008-0000-0100-000003000000}"/>
@@ -24783,13 +24843,13 @@
           <p:nvPr>
             <p:extLst>
               <p:ext uri="{D42A27DB-BD31-4B8C-83A1-F6EECF244321}">
-                <p14:modId xmlns:p14="http://schemas.microsoft.com/office/powerpoint/2010/main" val="4019844131"/>
+                <p14:modId xmlns:p14="http://schemas.microsoft.com/office/powerpoint/2010/main" val="2694608248"/>
               </p:ext>
             </p:extLst>
           </p:nvPr>
         </p:nvGraphicFramePr>
         <p:xfrm>
-          <a:off x="286394" y="657225"/>
+          <a:off x="154659" y="657225"/>
           <a:ext cx="8648701" cy="2943225"/>
         </p:xfrm>
         <a:graphic>
@@ -24830,7 +24890,7 @@
       </p:grpSpPr>
       <p:graphicFrame>
         <p:nvGraphicFramePr>
-          <p:cNvPr id="4" name="图表 3">
+          <p:cNvPr id="3" name="图表 2">
             <a:extLst>
               <a:ext uri="{FF2B5EF4-FFF2-40B4-BE49-F238E27FC236}">
                 <a16:creationId xmlns:a16="http://schemas.microsoft.com/office/drawing/2014/main" id="{00000000-0008-0000-0300-000004000000}"/>
@@ -24840,16 +24900,10 @@
           <p:cNvGraphicFramePr>
             <a:graphicFrameLocks/>
           </p:cNvGraphicFramePr>
-          <p:nvPr>
-            <p:extLst>
-              <p:ext uri="{D42A27DB-BD31-4B8C-83A1-F6EECF244321}">
-                <p14:modId xmlns:p14="http://schemas.microsoft.com/office/powerpoint/2010/main" val="3351555549"/>
-              </p:ext>
-            </p:extLst>
-          </p:nvPr>
+          <p:nvPr/>
         </p:nvGraphicFramePr>
         <p:xfrm>
-          <a:off x="163821" y="42458"/>
+          <a:off x="307181" y="123824"/>
           <a:ext cx="8529638" cy="3352801"/>
         </p:xfrm>
         <a:graphic>
@@ -25303,7 +25357,7 @@
                 <a:latin typeface="Arial" pitchFamily="34" charset="0"/>
                 <a:ea typeface="楷体_GB2312" pitchFamily="49" charset="-122"/>
               </a:rPr>
-              <a:t>0.57%</a:t>
+              <a:t>0.78%</a:t>
             </a:r>
             <a:r>
               <a:rPr lang="zh-CN" altLang="zh-CN" sz="1800" dirty="0">
@@ -25353,7 +25407,7 @@
                 <a:latin typeface="Arial" pitchFamily="34" charset="0"/>
                 <a:ea typeface="楷体_GB2312" pitchFamily="49" charset="-122"/>
               </a:rPr>
-              <a:t>27</a:t>
+              <a:t>28</a:t>
             </a:r>
             <a:r>
               <a:rPr lang="zh-CN" altLang="en-US" sz="1800" dirty="0">
@@ -25403,7 +25457,7 @@
                 <a:latin typeface="Arial" pitchFamily="34" charset="0"/>
                 <a:ea typeface="楷体_GB2312" pitchFamily="49" charset="-122"/>
               </a:rPr>
-              <a:t>0.08%</a:t>
+              <a:t>0.01%</a:t>
             </a:r>
             <a:r>
               <a:rPr lang="zh-CN" altLang="zh-CN" sz="1800" dirty="0">
@@ -25463,7 +25517,7 @@
                 <a:latin typeface="Arial" pitchFamily="34" charset="0"/>
                 <a:ea typeface="楷体_GB2312" pitchFamily="49" charset="-122"/>
               </a:rPr>
-              <a:t>0.65</a:t>
+              <a:t>0.79</a:t>
             </a:r>
             <a:r>
               <a:rPr lang="zh-CN" altLang="en-US" sz="1800" dirty="0">

--- a/日报/日报PPT底稿.pptx
+++ b/日报/日报PPT底稿.pptx
@@ -11345,10 +11345,10 @@
           </c:marker>
           <c:cat>
             <c:numRef>
-              <c:f>银行间质押!$A$2:$A$437</c:f>
+              <c:f>银行间质押!$A$2:$A$438</c:f>
               <c:numCache>
                 <c:formatCode>yyyy\-mm\-dd;@</c:formatCode>
-                <c:ptCount val="436"/>
+                <c:ptCount val="437"/>
                 <c:pt idx="0">
                   <c:v>42373</c:v>
                 </c:pt>
@@ -12656,16 +12656,19 @@
                 </c:pt>
                 <c:pt idx="435">
                   <c:v>43004</c:v>
+                </c:pt>
+                <c:pt idx="436">
+                  <c:v>43005</c:v>
                 </c:pt>
               </c:numCache>
             </c:numRef>
           </c:cat>
           <c:val>
             <c:numRef>
-              <c:f>银行间质押!$B$2:$B$437</c:f>
+              <c:f>银行间质押!$B$2:$B$438</c:f>
               <c:numCache>
                 <c:formatCode>###,###,###,###,##0_ </c:formatCode>
-                <c:ptCount val="436"/>
+                <c:ptCount val="437"/>
                 <c:pt idx="0">
                   <c:v>20380.391599999999</c:v>
                 </c:pt>
@@ -13968,11 +13971,14 @@
                 <c:pt idx="433">
                   <c:v>25563.730200000002</c:v>
                 </c:pt>
-                <c:pt idx="434" formatCode="General">
+                <c:pt idx="434">
                   <c:v>28858.9244</c:v>
                 </c:pt>
-                <c:pt idx="435" formatCode="General">
+                <c:pt idx="435">
                   <c:v>28708.861199999999</c:v>
+                </c:pt>
+                <c:pt idx="436">
+                  <c:v>27141.179499999998</c:v>
                 </c:pt>
               </c:numCache>
             </c:numRef>
@@ -13980,7 +13986,7 @@
           <c:smooth val="0"/>
           <c:extLst>
             <c:ext xmlns:c16="http://schemas.microsoft.com/office/drawing/2014/chart" uri="{C3380CC4-5D6E-409C-BE32-E72D297353CC}">
-              <c16:uniqueId val="{00000000-E3C9-41A2-BC7C-B013E886039E}"/>
+              <c16:uniqueId val="{00000000-548C-4624-A33D-FE9CFE52DC11}"/>
             </c:ext>
           </c:extLst>
         </c:ser>
@@ -14029,10 +14035,10 @@
           </c:marker>
           <c:cat>
             <c:numRef>
-              <c:f>银行间质押!$A$2:$A$437</c:f>
+              <c:f>银行间质押!$A$2:$A$438</c:f>
               <c:numCache>
                 <c:formatCode>yyyy\-mm\-dd;@</c:formatCode>
-                <c:ptCount val="436"/>
+                <c:ptCount val="437"/>
                 <c:pt idx="0">
                   <c:v>42373</c:v>
                 </c:pt>
@@ -15340,16 +15346,19 @@
                 </c:pt>
                 <c:pt idx="435">
                   <c:v>43004</c:v>
+                </c:pt>
+                <c:pt idx="436">
+                  <c:v>43005</c:v>
                 </c:pt>
               </c:numCache>
             </c:numRef>
           </c:cat>
           <c:val>
             <c:numRef>
-              <c:f>银行间质押!$C$2:$C$437</c:f>
+              <c:f>银行间质押!$C$2:$C$438</c:f>
               <c:numCache>
                 <c:formatCode>0.00%</c:formatCode>
-                <c:ptCount val="436"/>
+                <c:ptCount val="437"/>
                 <c:pt idx="0">
                   <c:v>2.1873E-2</c:v>
                 </c:pt>
@@ -16656,7 +16665,10 @@
                   <c:v>3.1274000000000003E-2</c:v>
                 </c:pt>
                 <c:pt idx="435">
-                  <c:v>3.3432000000000003E-2</c:v>
+                  <c:v>3.3431999999999996E-2</c:v>
+                </c:pt>
+                <c:pt idx="436">
+                  <c:v>3.5664000000000001E-2</c:v>
                 </c:pt>
               </c:numCache>
             </c:numRef>
@@ -16664,7 +16676,7 @@
           <c:smooth val="0"/>
           <c:extLst>
             <c:ext xmlns:c16="http://schemas.microsoft.com/office/drawing/2014/chart" uri="{C3380CC4-5D6E-409C-BE32-E72D297353CC}">
-              <c16:uniqueId val="{00000001-E3C9-41A2-BC7C-B013E886039E}"/>
+              <c16:uniqueId val="{00000001-548C-4624-A33D-FE9CFE52DC11}"/>
             </c:ext>
           </c:extLst>
         </c:ser>
@@ -18032,7 +18044,7 @@
           <a:graphicData uri="http://schemas.openxmlformats.org/presentationml/2006/ole">
             <mc:AlternateContent xmlns:mc="http://schemas.openxmlformats.org/markup-compatibility/2006">
               <mc:Choice xmlns:v="urn:schemas-microsoft-com:vml" Requires="v">
-                <p:oleObj spid="_x0000_s2505" name="Image" r:id="rId3" imgW="5663492" imgH="3326984" progId="">
+                <p:oleObj spid="_x0000_s2507" name="Image" r:id="rId3" imgW="5663492" imgH="3326984" progId="">
                   <p:embed/>
                 </p:oleObj>
               </mc:Choice>
@@ -18349,7 +18361,7 @@
           <a:graphicData uri="http://schemas.openxmlformats.org/presentationml/2006/ole">
             <mc:AlternateContent xmlns:mc="http://schemas.openxmlformats.org/markup-compatibility/2006">
               <mc:Choice xmlns:v="urn:schemas-microsoft-com:vml" Requires="v">
-                <p:oleObj spid="_x0000_s3529" name="Image" r:id="rId3" imgW="5663492" imgH="3326984" progId="">
+                <p:oleObj spid="_x0000_s3531" name="Image" r:id="rId3" imgW="5663492" imgH="3326984" progId="">
                   <p:embed/>
                 </p:oleObj>
               </mc:Choice>
@@ -18918,7 +18930,7 @@
           <a:graphicData uri="http://schemas.openxmlformats.org/presentationml/2006/ole">
             <mc:AlternateContent xmlns:mc="http://schemas.openxmlformats.org/markup-compatibility/2006">
               <mc:Choice xmlns:v="urn:schemas-microsoft-com:vml" Requires="v">
-                <p:oleObj spid="_x0000_s4553" name="Image" r:id="rId3" imgW="5663492" imgH="3326984" progId="">
+                <p:oleObj spid="_x0000_s4555" name="Image" r:id="rId3" imgW="5663492" imgH="3326984" progId="">
                   <p:embed/>
                 </p:oleObj>
               </mc:Choice>
@@ -23862,7 +23874,7 @@
           <a:graphicData uri="http://schemas.openxmlformats.org/presentationml/2006/ole">
             <mc:AlternateContent xmlns:mc="http://schemas.openxmlformats.org/markup-compatibility/2006">
               <mc:Choice xmlns:v="urn:schemas-microsoft-com:vml" Requires="v">
-                <p:oleObj spid="_x0000_s1481" name="Image" r:id="rId18" imgW="5663492" imgH="3326984" progId="">
+                <p:oleObj spid="_x0000_s1483" name="Image" r:id="rId18" imgW="5663492" imgH="3326984" progId="">
                   <p:embed/>
                 </p:oleObj>
               </mc:Choice>
@@ -24719,7 +24731,7 @@
                 <a:ea typeface="楷体_GB2312" panose="02010609030101010101"/>
                 <a:cs typeface="Times New Roman" panose="02020603050405020304" pitchFamily="18" charset="0"/>
               </a:rPr>
-              <a:t>】1-8</a:t>
+              <a:t>】8</a:t>
             </a:r>
             <a:r>
               <a:rPr lang="zh-CN" altLang="en-US" sz="2000" b="1" kern="100" dirty="0">
@@ -24730,7 +24742,29 @@
                 <a:ea typeface="楷体_GB2312" panose="02010609030101010101"/>
                 <a:cs typeface="Times New Roman" panose="02020603050405020304" pitchFamily="18" charset="0"/>
               </a:rPr>
-              <a:t>月国有企业收入和利润持续较快增长</a:t>
+              <a:t>月规模以上工业企业利润总额同比增长</a:t>
+            </a:r>
+            <a:r>
+              <a:rPr lang="en-US" altLang="zh-CN" sz="2000" b="1" kern="100" dirty="0">
+                <a:solidFill>
+                  <a:schemeClr val="bg1"/>
+                </a:solidFill>
+                <a:latin typeface="楷体" panose="02010609060101010101" pitchFamily="49" charset="-122"/>
+                <a:ea typeface="楷体_GB2312" panose="02010609030101010101"/>
+                <a:cs typeface="Times New Roman" panose="02020603050405020304" pitchFamily="18" charset="0"/>
+              </a:rPr>
+              <a:t>24%</a:t>
+            </a:r>
+            <a:r>
+              <a:rPr lang="zh-CN" altLang="en-US" sz="2000" b="1" kern="100" dirty="0">
+                <a:solidFill>
+                  <a:schemeClr val="bg1"/>
+                </a:solidFill>
+                <a:latin typeface="楷体" panose="02010609060101010101" pitchFamily="49" charset="-122"/>
+                <a:ea typeface="楷体_GB2312" panose="02010609030101010101"/>
+                <a:cs typeface="Times New Roman" panose="02020603050405020304" pitchFamily="18" charset="0"/>
+              </a:rPr>
+              <a:t>，创四年来新高</a:t>
             </a:r>
           </a:p>
         </p:txBody>
@@ -24944,7 +24978,7 @@
       </p:grpSpPr>
       <p:graphicFrame>
         <p:nvGraphicFramePr>
-          <p:cNvPr id="3" name="图表 2">
+          <p:cNvPr id="4" name="图表 3">
             <a:extLst>
               <a:ext uri="{FF2B5EF4-FFF2-40B4-BE49-F238E27FC236}">
                 <a16:creationId xmlns:a16="http://schemas.microsoft.com/office/drawing/2014/main" id="{00000000-0008-0000-0400-000002000000}"/>
@@ -25567,7 +25601,7 @@
                 <a:latin typeface="Arial" pitchFamily="34" charset="0"/>
                 <a:ea typeface="楷体_GB2312" pitchFamily="49" charset="-122"/>
               </a:rPr>
-              <a:t>宁波银行</a:t>
+              <a:t>无锡银行</a:t>
             </a:r>
             <a:r>
               <a:rPr lang="en-US" altLang="zh-CN" sz="1800" dirty="0">
@@ -25587,7 +25621,7 @@
                 <a:latin typeface="Arial" pitchFamily="34" charset="0"/>
                 <a:ea typeface="楷体_GB2312" pitchFamily="49" charset="-122"/>
               </a:rPr>
-              <a:t>董事会通过公司发行不超过人民币 </a:t>
+              <a:t>公司公开发行不超过 </a:t>
             </a:r>
             <a:r>
               <a:rPr lang="en-US" altLang="zh-CN" sz="1800" dirty="0">
@@ -25597,7 +25631,7 @@
                 <a:latin typeface="Arial" pitchFamily="34" charset="0"/>
                 <a:ea typeface="楷体_GB2312" pitchFamily="49" charset="-122"/>
               </a:rPr>
-              <a:t>300 </a:t>
+              <a:t>28 </a:t>
             </a:r>
             <a:r>
               <a:rPr lang="zh-CN" altLang="en-US" sz="1800" dirty="0">
@@ -25607,148 +25641,8 @@
                 <a:latin typeface="Arial" pitchFamily="34" charset="0"/>
                 <a:ea typeface="楷体_GB2312" pitchFamily="49" charset="-122"/>
               </a:rPr>
-              <a:t>亿元的金融债券预案。</a:t>
+              <a:t>亿元人民币的二级资本债券获央行批准。</a:t>
             </a:r>
-            <a:endParaRPr lang="en-US" altLang="zh-CN" sz="1800" dirty="0">
-              <a:solidFill>
-                <a:schemeClr val="tx1"/>
-              </a:solidFill>
-              <a:latin typeface="Arial" pitchFamily="34" charset="0"/>
-              <a:ea typeface="楷体_GB2312" pitchFamily="49" charset="-122"/>
-            </a:endParaRPr>
-          </a:p>
-          <a:p>
-            <a:pPr algn="l"/>
-            <a:r>
-              <a:rPr lang="en-US" altLang="zh-CN" sz="1800" dirty="0">
-                <a:solidFill>
-                  <a:schemeClr val="tx1"/>
-                </a:solidFill>
-                <a:latin typeface="Arial" pitchFamily="34" charset="0"/>
-                <a:ea typeface="楷体_GB2312" pitchFamily="49" charset="-122"/>
-              </a:rPr>
-              <a:t>【</a:t>
-            </a:r>
-            <a:r>
-              <a:rPr lang="zh-CN" altLang="en-US" sz="1800" dirty="0">
-                <a:solidFill>
-                  <a:schemeClr val="tx1"/>
-                </a:solidFill>
-                <a:latin typeface="Arial" pitchFamily="34" charset="0"/>
-                <a:ea typeface="楷体_GB2312" pitchFamily="49" charset="-122"/>
-              </a:rPr>
-              <a:t>常熟银行</a:t>
-            </a:r>
-            <a:r>
-              <a:rPr lang="en-US" altLang="zh-CN" sz="1800" dirty="0">
-                <a:solidFill>
-                  <a:schemeClr val="tx1"/>
-                </a:solidFill>
-                <a:latin typeface="Arial" pitchFamily="34" charset="0"/>
-                <a:ea typeface="楷体_GB2312" pitchFamily="49" charset="-122"/>
-              </a:rPr>
-              <a:t>】</a:t>
-            </a:r>
-            <a:r>
-              <a:rPr lang="zh-CN" altLang="en-US" sz="1800" dirty="0">
-                <a:solidFill>
-                  <a:schemeClr val="tx1"/>
-                </a:solidFill>
-                <a:latin typeface="Arial" pitchFamily="34" charset="0"/>
-                <a:ea typeface="楷体_GB2312" pitchFamily="49" charset="-122"/>
-              </a:rPr>
-              <a:t>公司</a:t>
-            </a:r>
-            <a:r>
-              <a:rPr lang="en-US" altLang="zh-CN" sz="1800" dirty="0">
-                <a:solidFill>
-                  <a:schemeClr val="tx1"/>
-                </a:solidFill>
-                <a:latin typeface="Arial" pitchFamily="34" charset="0"/>
-                <a:ea typeface="楷体_GB2312" pitchFamily="49" charset="-122"/>
-              </a:rPr>
-              <a:t>7.65</a:t>
-            </a:r>
-            <a:r>
-              <a:rPr lang="zh-CN" altLang="en-US" sz="1800" dirty="0">
-                <a:solidFill>
-                  <a:schemeClr val="tx1"/>
-                </a:solidFill>
-                <a:latin typeface="Arial" pitchFamily="34" charset="0"/>
-                <a:ea typeface="楷体_GB2312" pitchFamily="49" charset="-122"/>
-              </a:rPr>
-              <a:t>万股限售股将于</a:t>
-            </a:r>
-            <a:r>
-              <a:rPr lang="en-US" altLang="zh-CN" sz="1800" dirty="0">
-                <a:solidFill>
-                  <a:schemeClr val="tx1"/>
-                </a:solidFill>
-                <a:latin typeface="Arial" pitchFamily="34" charset="0"/>
-                <a:ea typeface="楷体_GB2312" pitchFamily="49" charset="-122"/>
-              </a:rPr>
-              <a:t>2017</a:t>
-            </a:r>
-            <a:r>
-              <a:rPr lang="zh-CN" altLang="en-US" sz="1800" dirty="0">
-                <a:solidFill>
-                  <a:schemeClr val="tx1"/>
-                </a:solidFill>
-                <a:latin typeface="Arial" pitchFamily="34" charset="0"/>
-                <a:ea typeface="楷体_GB2312" pitchFamily="49" charset="-122"/>
-              </a:rPr>
-              <a:t>年</a:t>
-            </a:r>
-            <a:r>
-              <a:rPr lang="en-US" altLang="zh-CN" sz="1800" dirty="0">
-                <a:solidFill>
-                  <a:schemeClr val="tx1"/>
-                </a:solidFill>
-                <a:latin typeface="Arial" pitchFamily="34" charset="0"/>
-                <a:ea typeface="楷体_GB2312" pitchFamily="49" charset="-122"/>
-              </a:rPr>
-              <a:t>10</a:t>
-            </a:r>
-            <a:r>
-              <a:rPr lang="zh-CN" altLang="en-US" sz="1800" dirty="0">
-                <a:solidFill>
-                  <a:schemeClr val="tx1"/>
-                </a:solidFill>
-                <a:latin typeface="Arial" pitchFamily="34" charset="0"/>
-                <a:ea typeface="楷体_GB2312" pitchFamily="49" charset="-122"/>
-              </a:rPr>
-              <a:t>月</a:t>
-            </a:r>
-            <a:r>
-              <a:rPr lang="en-US" altLang="zh-CN" sz="1800" dirty="0">
-                <a:solidFill>
-                  <a:schemeClr val="tx1"/>
-                </a:solidFill>
-                <a:latin typeface="Arial" pitchFamily="34" charset="0"/>
-                <a:ea typeface="楷体_GB2312" pitchFamily="49" charset="-122"/>
-              </a:rPr>
-              <a:t>9</a:t>
-            </a:r>
-            <a:r>
-              <a:rPr lang="zh-CN" altLang="en-US" sz="1800" dirty="0">
-                <a:solidFill>
-                  <a:schemeClr val="tx1"/>
-                </a:solidFill>
-                <a:latin typeface="Arial" pitchFamily="34" charset="0"/>
-                <a:ea typeface="楷体_GB2312" pitchFamily="49" charset="-122"/>
-              </a:rPr>
-              <a:t>日上市流通。</a:t>
-            </a:r>
-            <a:endParaRPr lang="en-US" altLang="zh-CN" sz="1800" dirty="0">
-              <a:solidFill>
-                <a:schemeClr val="tx1"/>
-              </a:solidFill>
-              <a:latin typeface="Arial" pitchFamily="34" charset="0"/>
-              <a:ea typeface="楷体_GB2312" pitchFamily="49" charset="-122"/>
-            </a:endParaRPr>
-          </a:p>
-          <a:p>
-            <a:pPr algn="l"/>
             <a:endParaRPr lang="en-US" altLang="zh-CN" sz="1800" dirty="0">
               <a:solidFill>
                 <a:schemeClr val="tx1"/>
@@ -25955,7 +25849,7 @@
         </p:nvSpPr>
         <p:spPr>
           <a:xfrm>
-            <a:off x="0" y="343275"/>
+            <a:off x="0" y="357412"/>
             <a:ext cx="9027460" cy="3461249"/>
           </a:xfrm>
           <a:prstGeom prst="rect">
@@ -26133,7 +26027,7 @@
                 <a:latin typeface="Arial" pitchFamily="34" charset="0"/>
                 <a:ea typeface="楷体_GB2312" pitchFamily="49" charset="-122"/>
               </a:rPr>
-              <a:t>央行今日进行</a:t>
+              <a:t>央行今日未开展公开市场操作，当日有</a:t>
             </a:r>
             <a:r>
               <a:rPr lang="en-US" altLang="zh-CN" sz="1800" dirty="0">
@@ -26153,86 +26047,6 @@
                 <a:latin typeface="Arial" pitchFamily="34" charset="0"/>
                 <a:ea typeface="楷体_GB2312" pitchFamily="49" charset="-122"/>
               </a:rPr>
-              <a:t>亿</a:t>
-            </a:r>
-            <a:r>
-              <a:rPr lang="en-US" altLang="zh-CN" sz="1800" dirty="0">
-                <a:solidFill>
-                  <a:schemeClr val="tx1"/>
-                </a:solidFill>
-                <a:latin typeface="Arial" pitchFamily="34" charset="0"/>
-                <a:ea typeface="楷体_GB2312" pitchFamily="49" charset="-122"/>
-              </a:rPr>
-              <a:t>14</a:t>
-            </a:r>
-            <a:r>
-              <a:rPr lang="zh-CN" altLang="en-US" sz="1800" dirty="0">
-                <a:solidFill>
-                  <a:schemeClr val="tx1"/>
-                </a:solidFill>
-                <a:latin typeface="Arial" pitchFamily="34" charset="0"/>
-                <a:ea typeface="楷体_GB2312" pitchFamily="49" charset="-122"/>
-              </a:rPr>
-              <a:t>天、</a:t>
-            </a:r>
-            <a:r>
-              <a:rPr lang="en-US" altLang="zh-CN" sz="1800" dirty="0">
-                <a:solidFill>
-                  <a:schemeClr val="tx1"/>
-                </a:solidFill>
-                <a:latin typeface="Arial" pitchFamily="34" charset="0"/>
-                <a:ea typeface="楷体_GB2312" pitchFamily="49" charset="-122"/>
-              </a:rPr>
-              <a:t>100</a:t>
-            </a:r>
-            <a:r>
-              <a:rPr lang="zh-CN" altLang="en-US" sz="1800" dirty="0">
-                <a:solidFill>
-                  <a:schemeClr val="tx1"/>
-                </a:solidFill>
-                <a:latin typeface="Arial" pitchFamily="34" charset="0"/>
-                <a:ea typeface="楷体_GB2312" pitchFamily="49" charset="-122"/>
-              </a:rPr>
-              <a:t>亿</a:t>
-            </a:r>
-            <a:r>
-              <a:rPr lang="en-US" altLang="zh-CN" sz="1800" dirty="0">
-                <a:solidFill>
-                  <a:schemeClr val="tx1"/>
-                </a:solidFill>
-                <a:latin typeface="Arial" pitchFamily="34" charset="0"/>
-                <a:ea typeface="楷体_GB2312" pitchFamily="49" charset="-122"/>
-              </a:rPr>
-              <a:t>28</a:t>
-            </a:r>
-            <a:r>
-              <a:rPr lang="zh-CN" altLang="en-US" sz="1800" dirty="0">
-                <a:solidFill>
-                  <a:schemeClr val="tx1"/>
-                </a:solidFill>
-                <a:latin typeface="Arial" pitchFamily="34" charset="0"/>
-                <a:ea typeface="楷体_GB2312" pitchFamily="49" charset="-122"/>
-              </a:rPr>
-              <a:t>天期逆回购操作，当日有</a:t>
-            </a:r>
-            <a:r>
-              <a:rPr lang="en-US" altLang="zh-CN" sz="1800" dirty="0">
-                <a:solidFill>
-                  <a:schemeClr val="tx1"/>
-                </a:solidFill>
-                <a:latin typeface="Arial" pitchFamily="34" charset="0"/>
-                <a:ea typeface="楷体_GB2312" pitchFamily="49" charset="-122"/>
-              </a:rPr>
-              <a:t>1300</a:t>
-            </a:r>
-            <a:r>
-              <a:rPr lang="zh-CN" altLang="en-US" sz="1800" dirty="0">
-                <a:solidFill>
-                  <a:schemeClr val="tx1"/>
-                </a:solidFill>
-                <a:latin typeface="Arial" pitchFamily="34" charset="0"/>
-                <a:ea typeface="楷体_GB2312" pitchFamily="49" charset="-122"/>
-              </a:rPr>
               <a:t>亿逆回购到期，单日净回笼</a:t>
             </a:r>
             <a:r>
@@ -26243,7 +26057,7 @@
                 <a:latin typeface="Arial" pitchFamily="34" charset="0"/>
                 <a:ea typeface="楷体_GB2312" pitchFamily="49" charset="-122"/>
               </a:rPr>
-              <a:t>800</a:t>
+              <a:t>400</a:t>
             </a:r>
             <a:r>
               <a:rPr lang="zh-CN" altLang="en-US" sz="1800" dirty="0">
@@ -26278,7 +26092,7 @@
                 <a:latin typeface="Arial" pitchFamily="34" charset="0"/>
                 <a:ea typeface="楷体_GB2312" pitchFamily="49" charset="-122"/>
               </a:rPr>
-              <a:t>月，国有企业营业总收入</a:t>
+              <a:t>月，全国规模以上工业企业实现利润总额</a:t>
             </a:r>
             <a:r>
               <a:rPr lang="en-US" altLang="zh-CN" sz="1800" dirty="0">
@@ -26288,7 +26102,7 @@
                 <a:latin typeface="Arial" pitchFamily="34" charset="0"/>
                 <a:ea typeface="楷体_GB2312" pitchFamily="49" charset="-122"/>
               </a:rPr>
-              <a:t>33.1</a:t>
+              <a:t>4.9</a:t>
             </a:r>
             <a:r>
               <a:rPr lang="zh-CN" altLang="en-US" sz="1800" dirty="0">
@@ -26308,7 +26122,7 @@
                 <a:latin typeface="Arial" pitchFamily="34" charset="0"/>
                 <a:ea typeface="楷体_GB2312" pitchFamily="49" charset="-122"/>
               </a:rPr>
-              <a:t>15.5%</a:t>
+              <a:t>21.6%</a:t>
             </a:r>
             <a:r>
               <a:rPr lang="zh-CN" altLang="en-US" sz="1800" dirty="0">
@@ -26318,7 +26132,7 @@
                 <a:latin typeface="Arial" pitchFamily="34" charset="0"/>
                 <a:ea typeface="楷体_GB2312" pitchFamily="49" charset="-122"/>
               </a:rPr>
-              <a:t>，营业利润总额</a:t>
+              <a:t>，增速比</a:t>
             </a:r>
             <a:r>
               <a:rPr lang="en-US" altLang="zh-CN" sz="1800" dirty="0">
@@ -26328,7 +26142,7 @@
                 <a:latin typeface="Arial" pitchFamily="34" charset="0"/>
                 <a:ea typeface="楷体_GB2312" pitchFamily="49" charset="-122"/>
               </a:rPr>
-              <a:t>1.9</a:t>
+              <a:t>1-7</a:t>
             </a:r>
             <a:r>
               <a:rPr lang="zh-CN" altLang="en-US" sz="1800" dirty="0">
@@ -26338,7 +26152,7 @@
                 <a:latin typeface="Arial" pitchFamily="34" charset="0"/>
                 <a:ea typeface="楷体_GB2312" pitchFamily="49" charset="-122"/>
               </a:rPr>
-              <a:t>万亿元，同比增长</a:t>
+              <a:t>月份加快</a:t>
             </a:r>
             <a:r>
               <a:rPr lang="en-US" altLang="zh-CN" sz="1800" dirty="0">
@@ -26348,7 +26162,7 @@
                 <a:latin typeface="Arial" pitchFamily="34" charset="0"/>
                 <a:ea typeface="楷体_GB2312" pitchFamily="49" charset="-122"/>
               </a:rPr>
-              <a:t>21.7%</a:t>
+              <a:t>0.4</a:t>
             </a:r>
             <a:r>
               <a:rPr lang="zh-CN" altLang="en-US" sz="1800" dirty="0">
@@ -26358,15 +26172,138 @@
                 <a:latin typeface="Arial" pitchFamily="34" charset="0"/>
                 <a:ea typeface="楷体_GB2312" pitchFamily="49" charset="-122"/>
               </a:rPr>
-              <a:t>；钢铁、有色等上年同期亏损行业持续盈利；煤炭、石油石化、交通等行业实现利润同比增幅较大；电力等行业实现利润同比降幅较大。（新闻来源：财政部）</a:t>
+              <a:t>个百分点；</a:t>
             </a:r>
-            <a:endParaRPr lang="en-US" altLang="zh-CN" sz="1800" dirty="0">
-              <a:solidFill>
-                <a:schemeClr val="tx1"/>
-              </a:solidFill>
-              <a:latin typeface="Arial" pitchFamily="34" charset="0"/>
-              <a:ea typeface="楷体_GB2312" pitchFamily="49" charset="-122"/>
-            </a:endParaRPr>
+            <a:r>
+              <a:rPr lang="en-US" altLang="zh-CN" sz="1800" dirty="0">
+                <a:solidFill>
+                  <a:schemeClr val="tx1"/>
+                </a:solidFill>
+                <a:latin typeface="Arial" pitchFamily="34" charset="0"/>
+                <a:ea typeface="楷体_GB2312" pitchFamily="49" charset="-122"/>
+              </a:rPr>
+              <a:t>8</a:t>
+            </a:r>
+            <a:r>
+              <a:rPr lang="zh-CN" altLang="en-US" sz="1800" dirty="0">
+                <a:solidFill>
+                  <a:schemeClr val="tx1"/>
+                </a:solidFill>
+                <a:latin typeface="Arial" pitchFamily="34" charset="0"/>
+                <a:ea typeface="楷体_GB2312" pitchFamily="49" charset="-122"/>
+              </a:rPr>
+              <a:t>月，规模以上工业企业实现利润总额</a:t>
+            </a:r>
+            <a:r>
+              <a:rPr lang="en-US" altLang="zh-CN" sz="1800" dirty="0">
+                <a:solidFill>
+                  <a:schemeClr val="tx1"/>
+                </a:solidFill>
+                <a:latin typeface="Arial" pitchFamily="34" charset="0"/>
+                <a:ea typeface="楷体_GB2312" pitchFamily="49" charset="-122"/>
+              </a:rPr>
+              <a:t>6719.7</a:t>
+            </a:r>
+            <a:r>
+              <a:rPr lang="zh-CN" altLang="en-US" sz="1800" dirty="0">
+                <a:solidFill>
+                  <a:schemeClr val="tx1"/>
+                </a:solidFill>
+                <a:latin typeface="Arial" pitchFamily="34" charset="0"/>
+                <a:ea typeface="楷体_GB2312" pitchFamily="49" charset="-122"/>
+              </a:rPr>
+              <a:t>亿元，同比增长</a:t>
+            </a:r>
+            <a:r>
+              <a:rPr lang="en-US" altLang="zh-CN" sz="1800" dirty="0">
+                <a:solidFill>
+                  <a:schemeClr val="tx1"/>
+                </a:solidFill>
+                <a:latin typeface="Arial" pitchFamily="34" charset="0"/>
+                <a:ea typeface="楷体_GB2312" pitchFamily="49" charset="-122"/>
+              </a:rPr>
+              <a:t>24%</a:t>
+            </a:r>
+            <a:r>
+              <a:rPr lang="zh-CN" altLang="en-US" sz="1800" dirty="0">
+                <a:solidFill>
+                  <a:schemeClr val="tx1"/>
+                </a:solidFill>
+                <a:latin typeface="Arial" pitchFamily="34" charset="0"/>
+                <a:ea typeface="楷体_GB2312" pitchFamily="49" charset="-122"/>
+              </a:rPr>
+              <a:t>，创四年来新高，增速比 </a:t>
+            </a:r>
+            <a:r>
+              <a:rPr lang="en-US" altLang="zh-CN" sz="1800" dirty="0">
+                <a:solidFill>
+                  <a:schemeClr val="tx1"/>
+                </a:solidFill>
+                <a:latin typeface="Arial" pitchFamily="34" charset="0"/>
+                <a:ea typeface="楷体_GB2312" pitchFamily="49" charset="-122"/>
+              </a:rPr>
+              <a:t>7 </a:t>
+            </a:r>
+            <a:r>
+              <a:rPr lang="zh-CN" altLang="en-US" sz="1800" dirty="0">
+                <a:solidFill>
+                  <a:schemeClr val="tx1"/>
+                </a:solidFill>
+                <a:latin typeface="Arial" pitchFamily="34" charset="0"/>
+                <a:ea typeface="楷体_GB2312" pitchFamily="49" charset="-122"/>
+              </a:rPr>
+              <a:t>月份加快 </a:t>
+            </a:r>
+            <a:r>
+              <a:rPr lang="en-US" altLang="zh-CN" sz="1800" dirty="0">
+                <a:solidFill>
+                  <a:schemeClr val="tx1"/>
+                </a:solidFill>
+                <a:latin typeface="Arial" pitchFamily="34" charset="0"/>
+                <a:ea typeface="楷体_GB2312" pitchFamily="49" charset="-122"/>
+              </a:rPr>
+              <a:t>7.5 </a:t>
+            </a:r>
+            <a:r>
+              <a:rPr lang="zh-CN" altLang="en-US" sz="1800" dirty="0">
+                <a:solidFill>
+                  <a:schemeClr val="tx1"/>
+                </a:solidFill>
+                <a:latin typeface="Arial" pitchFamily="34" charset="0"/>
+                <a:ea typeface="楷体_GB2312" pitchFamily="49" charset="-122"/>
+              </a:rPr>
+              <a:t>个百分点。 </a:t>
+            </a:r>
+            <a:r>
+              <a:rPr lang="en-US" altLang="zh-CN" sz="1800" dirty="0">
+                <a:solidFill>
+                  <a:schemeClr val="tx1"/>
+                </a:solidFill>
+                <a:latin typeface="Arial" pitchFamily="34" charset="0"/>
+                <a:ea typeface="楷体_GB2312" pitchFamily="49" charset="-122"/>
+              </a:rPr>
+              <a:t>(</a:t>
+            </a:r>
+            <a:r>
+              <a:rPr lang="zh-CN" altLang="en-US" sz="1800" dirty="0">
+                <a:solidFill>
+                  <a:schemeClr val="tx1"/>
+                </a:solidFill>
+                <a:latin typeface="Arial" pitchFamily="34" charset="0"/>
+                <a:ea typeface="楷体_GB2312" pitchFamily="49" charset="-122"/>
+              </a:rPr>
+              <a:t>新闻来源：统计局</a:t>
+            </a:r>
+            <a:r>
+              <a:rPr lang="en-US" altLang="zh-CN" sz="1800" dirty="0">
+                <a:solidFill>
+                  <a:schemeClr val="tx1"/>
+                </a:solidFill>
+                <a:latin typeface="Arial" pitchFamily="34" charset="0"/>
+                <a:ea typeface="楷体_GB2312" pitchFamily="49" charset="-122"/>
+              </a:rPr>
+              <a:t>)</a:t>
+            </a:r>
           </a:p>
           <a:p>
             <a:pPr marL="342900" indent="-342900" algn="just">
@@ -26380,8 +26317,135 @@
                 <a:latin typeface="Arial" pitchFamily="34" charset="0"/>
                 <a:ea typeface="楷体_GB2312" pitchFamily="49" charset="-122"/>
               </a:rPr>
-              <a:t>中国银行业协会专职副会长潘光伟指出，标普基于“亲周期”评级方法下调中国评级是简单片面的；中国债务偿付能力总体较强，去杠杆办法和手段较多。（新闻来源：中国银行业协会）</a:t>
+              <a:t>截止</a:t>
             </a:r>
+            <a:r>
+              <a:rPr lang="en-US" altLang="zh-CN" sz="1800" dirty="0">
+                <a:solidFill>
+                  <a:schemeClr val="tx1"/>
+                </a:solidFill>
+                <a:latin typeface="Arial" pitchFamily="34" charset="0"/>
+                <a:ea typeface="楷体_GB2312" pitchFamily="49" charset="-122"/>
+              </a:rPr>
+              <a:t>6</a:t>
+            </a:r>
+            <a:r>
+              <a:rPr lang="zh-CN" altLang="en-US" sz="1800" dirty="0">
+                <a:solidFill>
+                  <a:schemeClr val="tx1"/>
+                </a:solidFill>
+                <a:latin typeface="Arial" pitchFamily="34" charset="0"/>
+                <a:ea typeface="楷体_GB2312" pitchFamily="49" charset="-122"/>
+              </a:rPr>
+              <a:t>月末，我国银行业对外金融资产</a:t>
+            </a:r>
+            <a:r>
+              <a:rPr lang="en-US" altLang="zh-CN" sz="1800" dirty="0">
+                <a:solidFill>
+                  <a:schemeClr val="tx1"/>
+                </a:solidFill>
+                <a:latin typeface="Arial" pitchFamily="34" charset="0"/>
+                <a:ea typeface="楷体_GB2312" pitchFamily="49" charset="-122"/>
+              </a:rPr>
+              <a:t>9694</a:t>
+            </a:r>
+            <a:r>
+              <a:rPr lang="zh-CN" altLang="en-US" sz="1800" dirty="0">
+                <a:solidFill>
+                  <a:schemeClr val="tx1"/>
+                </a:solidFill>
+                <a:latin typeface="Arial" pitchFamily="34" charset="0"/>
+                <a:ea typeface="楷体_GB2312" pitchFamily="49" charset="-122"/>
+              </a:rPr>
+              <a:t>亿美元，对外负债</a:t>
+            </a:r>
+            <a:r>
+              <a:rPr lang="en-US" altLang="zh-CN" sz="1800" dirty="0">
+                <a:solidFill>
+                  <a:schemeClr val="tx1"/>
+                </a:solidFill>
+                <a:latin typeface="Arial" pitchFamily="34" charset="0"/>
+                <a:ea typeface="楷体_GB2312" pitchFamily="49" charset="-122"/>
+              </a:rPr>
+              <a:t>1.1</a:t>
+            </a:r>
+            <a:r>
+              <a:rPr lang="zh-CN" altLang="en-US" sz="1800" dirty="0">
+                <a:solidFill>
+                  <a:schemeClr val="tx1"/>
+                </a:solidFill>
+                <a:latin typeface="Arial" pitchFamily="34" charset="0"/>
+                <a:ea typeface="楷体_GB2312" pitchFamily="49" charset="-122"/>
+              </a:rPr>
+              <a:t>万亿美元，对外净负债</a:t>
+            </a:r>
+            <a:r>
+              <a:rPr lang="en-US" altLang="zh-CN" sz="1800" dirty="0">
+                <a:solidFill>
+                  <a:schemeClr val="tx1"/>
+                </a:solidFill>
+                <a:latin typeface="Arial" pitchFamily="34" charset="0"/>
+                <a:ea typeface="楷体_GB2312" pitchFamily="49" charset="-122"/>
+              </a:rPr>
+              <a:t>1791</a:t>
+            </a:r>
+            <a:r>
+              <a:rPr lang="zh-CN" altLang="en-US" sz="1800" dirty="0">
+                <a:solidFill>
+                  <a:schemeClr val="tx1"/>
+                </a:solidFill>
+                <a:latin typeface="Arial" pitchFamily="34" charset="0"/>
+                <a:ea typeface="楷体_GB2312" pitchFamily="49" charset="-122"/>
+              </a:rPr>
+              <a:t>亿美元；其中人民币净负债</a:t>
+            </a:r>
+            <a:r>
+              <a:rPr lang="en-US" altLang="zh-CN" sz="1800" dirty="0">
+                <a:solidFill>
+                  <a:schemeClr val="tx1"/>
+                </a:solidFill>
+                <a:latin typeface="Arial" pitchFamily="34" charset="0"/>
+                <a:ea typeface="楷体_GB2312" pitchFamily="49" charset="-122"/>
+              </a:rPr>
+              <a:t>2403</a:t>
+            </a:r>
+            <a:r>
+              <a:rPr lang="zh-CN" altLang="en-US" sz="1800" dirty="0">
+                <a:solidFill>
+                  <a:schemeClr val="tx1"/>
+                </a:solidFill>
+                <a:latin typeface="Arial" pitchFamily="34" charset="0"/>
+                <a:ea typeface="楷体_GB2312" pitchFamily="49" charset="-122"/>
+              </a:rPr>
+              <a:t>亿美元，外币净资产</a:t>
+            </a:r>
+            <a:r>
+              <a:rPr lang="en-US" altLang="zh-CN" sz="1800" dirty="0">
+                <a:solidFill>
+                  <a:schemeClr val="tx1"/>
+                </a:solidFill>
+                <a:latin typeface="Arial" pitchFamily="34" charset="0"/>
+                <a:ea typeface="楷体_GB2312" pitchFamily="49" charset="-122"/>
+              </a:rPr>
+              <a:t>611</a:t>
+            </a:r>
+            <a:r>
+              <a:rPr lang="zh-CN" altLang="en-US" sz="1800" dirty="0">
+                <a:solidFill>
+                  <a:schemeClr val="tx1"/>
+                </a:solidFill>
+                <a:latin typeface="Arial" pitchFamily="34" charset="0"/>
+                <a:ea typeface="楷体_GB2312" pitchFamily="49" charset="-122"/>
+              </a:rPr>
+              <a:t>亿美元。 （新闻来源：外管局）</a:t>
+            </a:r>
+            <a:endParaRPr lang="en-US" altLang="zh-CN" sz="1800" dirty="0">
+              <a:solidFill>
+                <a:schemeClr val="tx1"/>
+              </a:solidFill>
+              <a:latin typeface="Arial" pitchFamily="34" charset="0"/>
+              <a:ea typeface="楷体_GB2312" pitchFamily="49" charset="-122"/>
+            </a:endParaRPr>
           </a:p>
           <a:p>
             <a:pPr algn="r"/>
